--- a/2023-24 CMGT Intake - Design and Production.pptx
+++ b/2023-24 CMGT Intake - Design and Production.pptx
@@ -30,21 +30,21 @@
       <p:boldItalic r:id="rId19"/>
     </p:embeddedFont>
     <p:embeddedFont>
-      <p:font typeface="Roboto" panose="020B0604020202020204" charset="0"/>
+      <p:font typeface="Roboto" panose="02000000000000000000" pitchFamily="2" charset="0"/>
       <p:regular r:id="rId20"/>
       <p:bold r:id="rId21"/>
       <p:italic r:id="rId22"/>
       <p:boldItalic r:id="rId23"/>
     </p:embeddedFont>
     <p:embeddedFont>
-      <p:font typeface="Roboto Light" panose="020B0604020202020204" charset="0"/>
+      <p:font typeface="Roboto Light" panose="02000000000000000000" pitchFamily="2" charset="0"/>
       <p:regular r:id="rId24"/>
       <p:bold r:id="rId25"/>
       <p:italic r:id="rId26"/>
       <p:boldItalic r:id="rId27"/>
     </p:embeddedFont>
     <p:embeddedFont>
-      <p:font typeface="Roboto Thin" panose="020B0604020202020204" charset="0"/>
+      <p:font typeface="Roboto Thin" panose="02000000000000000000" pitchFamily="2" charset="0"/>
       <p:regular r:id="rId28"/>
       <p:bold r:id="rId29"/>
       <p:italic r:id="rId30"/>
@@ -15055,42 +15055,15 @@
               <a:buNone/>
             </a:pPr>
             <a:r>
-              <a:rPr lang="en">
-                <a:solidFill>
-                  <a:srgbClr val="FFFFFF"/>
-                </a:solidFill>
+              <a:rPr lang="en-US" dirty="0">
                 <a:latin typeface="Roboto"/>
                 <a:ea typeface="Roboto"/>
                 <a:cs typeface="Roboto"/>
                 <a:sym typeface="Roboto"/>
               </a:rPr>
-              <a:t>«</a:t>
+              <a:t>Juliya Mollen</a:t>
             </a:r>
-            <a:r>
-              <a:rPr lang="en" err="1">
-                <a:solidFill>
-                  <a:srgbClr val="FFFFFF"/>
-                </a:solidFill>
-                <a:latin typeface="Roboto"/>
-                <a:ea typeface="Roboto"/>
-                <a:cs typeface="Roboto"/>
-                <a:sym typeface="Roboto"/>
-              </a:rPr>
-              <a:t>applicantname</a:t>
-            </a:r>
-            <a:r>
-              <a:rPr lang="en">
-                <a:solidFill>
-                  <a:srgbClr val="FFFFFF"/>
-                </a:solidFill>
-                <a:latin typeface="Roboto"/>
-                <a:ea typeface="Roboto"/>
-                <a:cs typeface="Roboto"/>
-                <a:sym typeface="Roboto"/>
-              </a:rPr>
-              <a:t>»</a:t>
-            </a:r>
-            <a:endParaRPr>
+            <a:endParaRPr dirty="0">
               <a:solidFill>
                 <a:srgbClr val="FFFFFF"/>
               </a:solidFill>
@@ -15102,7 +15075,7 @@
           </a:p>
           <a:p>
             <a:r>
-              <a:rPr lang="en">
+              <a:rPr lang="en" dirty="0">
                 <a:solidFill>
                   <a:srgbClr val="FFFFFF"/>
                 </a:solidFill>
@@ -15111,33 +15084,9 @@
                 <a:cs typeface="Roboto"/>
                 <a:sym typeface="Roboto"/>
               </a:rPr>
-              <a:t>«</a:t>
+              <a:t>230033</a:t>
             </a:r>
-            <a:r>
-              <a:rPr lang="en" err="1">
-                <a:solidFill>
-                  <a:srgbClr val="FFFFFF"/>
-                </a:solidFill>
-                <a:latin typeface="Roboto"/>
-                <a:ea typeface="Roboto"/>
-                <a:cs typeface="Roboto"/>
-                <a:sym typeface="Roboto"/>
-              </a:rPr>
-              <a:t>studentid</a:t>
-            </a:r>
-            <a:r>
-              <a:rPr lang="en">
-                <a:solidFill>
-                  <a:srgbClr val="FFFFFF"/>
-                </a:solidFill>
-                <a:latin typeface="Roboto"/>
-                <a:ea typeface="Roboto"/>
-                <a:cs typeface="Roboto"/>
-                <a:sym typeface="Roboto"/>
-              </a:rPr>
-              <a:t>»</a:t>
-            </a:r>
-            <a:endParaRPr lang="en">
+            <a:endParaRPr lang="en" dirty="0">
               <a:latin typeface="Roboto"/>
               <a:ea typeface="Roboto"/>
               <a:cs typeface="Roboto"/>
@@ -16032,7 +15981,7 @@
           <a:p>
             <a:pPr marL="0" indent="0"/>
             <a:r>
-              <a:rPr lang="en-GB" b="0">
+              <a:rPr lang="en-GB" b="0" dirty="0">
                 <a:latin typeface="+mn-lt"/>
               </a:rPr>
               <a:t>Please state your current education level </a:t>
@@ -16041,19 +15990,19 @@
           <a:p>
             <a:pPr marL="0" indent="0"/>
             <a:r>
-              <a:rPr lang="en-GB" sz="1000" b="0">
+              <a:rPr lang="en-GB" sz="1000" b="0" dirty="0">
                 <a:latin typeface="+mn-lt"/>
               </a:rPr>
               <a:t>(</a:t>
             </a:r>
             <a:r>
-              <a:rPr lang="en-GB" sz="1000" b="0" err="1">
+              <a:rPr lang="en-GB" sz="1000" b="0" dirty="0" err="1">
                 <a:latin typeface="+mn-lt"/>
               </a:rPr>
               <a:t>eg</a:t>
             </a:r>
             <a:r>
-              <a:rPr lang="en-GB" sz="1000" b="0">
+              <a:rPr lang="en-GB" sz="1000" b="0" dirty="0">
                 <a:latin typeface="+mn-lt"/>
               </a:rPr>
               <a:t>: school/college)</a:t>
@@ -16064,14 +16013,14 @@
               <a:buFont typeface="Arial"/>
               <a:buChar char="•"/>
             </a:pPr>
-            <a:endParaRPr lang="en-GB" sz="1200" b="0">
+            <a:endParaRPr lang="en-GB" sz="1200" b="0" dirty="0">
               <a:latin typeface="+mn-lt"/>
             </a:endParaRPr>
           </a:p>
           <a:p>
             <a:pPr marL="0" indent="0"/>
             <a:r>
-              <a:rPr lang="en-GB" b="0">
+              <a:rPr lang="en-GB" b="0" dirty="0">
                 <a:latin typeface="+mn-lt"/>
               </a:rPr>
               <a:t>If you are studying/have studied at higher/college level, please state the college name, course and diploma/degree awarded</a:t>
@@ -16080,19 +16029,19 @@
           <a:p>
             <a:pPr marL="0" indent="0"/>
             <a:r>
-              <a:rPr lang="en-GB" sz="1000" b="0">
+              <a:rPr lang="en-GB" sz="1000" b="0" dirty="0">
                 <a:latin typeface="+mn-lt"/>
               </a:rPr>
               <a:t>(</a:t>
             </a:r>
             <a:r>
-              <a:rPr lang="en-GB" sz="1000" b="0" err="1">
+              <a:rPr lang="en-GB" sz="1000" b="0" dirty="0" err="1">
                 <a:latin typeface="+mn-lt"/>
               </a:rPr>
               <a:t>eg</a:t>
             </a:r>
             <a:r>
-              <a:rPr lang="en-GB" sz="1000" b="0">
+              <a:rPr lang="en-GB" sz="1000" b="0" dirty="0">
                 <a:latin typeface="+mn-lt"/>
               </a:rPr>
               <a:t>: Breda University of Applied Science. Creative Media and Game Technologies. Bachelor's Degree)</a:t>
@@ -16100,74 +16049,88 @@
           </a:p>
           <a:p>
             <a:pPr marL="0" indent="0"/>
-            <a:endParaRPr lang="en-GB" sz="1000" b="0">
+            <a:endParaRPr lang="en-GB" sz="1000" b="0" dirty="0">
               <a:latin typeface="+mn-lt"/>
             </a:endParaRPr>
           </a:p>
           <a:p>
             <a:pPr marL="0" indent="0"/>
             <a:r>
-              <a:rPr lang="en-GB" sz="1000" b="0">
+              <a:rPr lang="en-GB" sz="1000" b="0" dirty="0">
                 <a:latin typeface="+mn-lt"/>
                 <a:cs typeface="Arial"/>
               </a:rPr>
               <a:t>(only for Dutch students. If you are uncertain the answer is no) </a:t>
             </a:r>
             <a:r>
-              <a:rPr lang="en-GB" b="0">
+              <a:rPr lang="en-GB" b="0" dirty="0">
                 <a:latin typeface="+mn-lt"/>
                 <a:cs typeface="Arial"/>
               </a:rPr>
               <a:t>Have you studied at a </a:t>
             </a:r>
             <a:r>
-              <a:rPr lang="en-GB" b="0" err="1">
+              <a:rPr lang="en-GB" b="0" dirty="0" err="1">
                 <a:latin typeface="+mn-lt"/>
                 <a:cs typeface="Arial"/>
               </a:rPr>
               <a:t>Technasium</a:t>
             </a:r>
             <a:r>
-              <a:rPr lang="en-GB" b="0">
+              <a:rPr lang="en-GB" b="0" dirty="0">
                 <a:latin typeface="+mn-lt"/>
                 <a:cs typeface="Arial"/>
               </a:rPr>
               <a:t>?</a:t>
             </a:r>
             <a:r>
-              <a:rPr lang="en-GB" sz="1000" b="0">
+              <a:rPr lang="en-GB" sz="1000" b="0" dirty="0">
                 <a:latin typeface="+mn-lt"/>
                 <a:cs typeface="Arial"/>
               </a:rPr>
               <a:t> </a:t>
             </a:r>
             <a:br>
-              <a:rPr lang="en-GB" sz="1000" b="0">
+              <a:rPr lang="en-GB" sz="1000" b="0" dirty="0">
                 <a:latin typeface="+mn-lt"/>
                 <a:cs typeface="Arial"/>
               </a:rPr>
             </a:br>
             <a:r>
-              <a:rPr lang="en-GB" sz="1000" b="0">
+              <a:rPr lang="en-GB" sz="1000" b="0" dirty="0">
                 <a:latin typeface="+mn-lt"/>
                 <a:cs typeface="Arial"/>
               </a:rPr>
-              <a:t>(Yes/no)</a:t>
+              <a:t>/(</a:t>
             </a:r>
-            <a:endParaRPr lang="en-GB"/>
+            <a:r>
+              <a:rPr lang="en-GB" sz="1000" dirty="0">
+                <a:latin typeface="+mn-lt"/>
+                <a:cs typeface="Arial"/>
+              </a:rPr>
+              <a:t>no</a:t>
+            </a:r>
+            <a:r>
+              <a:rPr lang="en-GB" sz="1000" b="0" dirty="0">
+                <a:latin typeface="+mn-lt"/>
+                <a:cs typeface="Arial"/>
+              </a:rPr>
+              <a:t>)</a:t>
+            </a:r>
+            <a:endParaRPr lang="en-GB" dirty="0"/>
           </a:p>
           <a:p>
             <a:pPr marL="171450" indent="-171450">
               <a:buFont typeface="Arial"/>
               <a:buChar char="•"/>
             </a:pPr>
-            <a:endParaRPr lang="en-GB" sz="1100" b="0">
+            <a:endParaRPr lang="en-GB" sz="1100" b="0" dirty="0">
               <a:latin typeface="+mn-lt"/>
             </a:endParaRPr>
           </a:p>
           <a:p>
             <a:pPr marL="0" indent="0"/>
-            <a:endParaRPr lang="en-GB" b="0">
+            <a:endParaRPr lang="en-GB" b="0" dirty="0">
               <a:latin typeface="+mn-lt"/>
             </a:endParaRPr>
           </a:p>
@@ -16176,13 +16139,13 @@
               <a:buFont typeface="Arial"/>
               <a:buChar char="•"/>
             </a:pPr>
-            <a:endParaRPr lang="en-GB" sz="1200" b="0">
+            <a:endParaRPr lang="en-GB" sz="1200" b="0" dirty="0">
               <a:latin typeface="Arial"/>
             </a:endParaRPr>
           </a:p>
           <a:p>
             <a:pPr marL="0" indent="0"/>
-            <a:endParaRPr lang="en-GB" sz="1200" b="0">
+            <a:endParaRPr lang="en-GB" sz="1200" b="0" dirty="0">
               <a:latin typeface="+mn-lt"/>
             </a:endParaRPr>
           </a:p>
@@ -19161,14 +19124,6 @@
 </file>
 
 <file path=customXml/item2.xml><?xml version="1.0" encoding="utf-8"?>
-<p:properties xmlns:p="http://schemas.microsoft.com/office/2006/metadata/properties" xmlns:xsi="http://www.w3.org/2001/XMLSchema-instance" xmlns:pc="http://schemas.microsoft.com/office/infopath/2007/PartnerControls">
-  <documentManagement>
-    <ReferenceId xmlns="7febf11f-f684-4171-8005-895c35ea71ed" xsi:nil="true"/>
-  </documentManagement>
-</p:properties>
-</file>
-
-<file path=customXml/item3.xml><?xml version="1.0" encoding="utf-8"?>
 <?mso-contentType ?>
 <FormTemplates xmlns="http://schemas.microsoft.com/sharepoint/v3/contenttype/forms">
   <Display>DocumentLibraryForm</Display>
@@ -19177,11 +19132,41 @@
 </FormTemplates>
 </file>
 
+<file path=customXml/item3.xml><?xml version="1.0" encoding="utf-8"?>
+<p:properties xmlns:p="http://schemas.microsoft.com/office/2006/metadata/properties" xmlns:xsi="http://www.w3.org/2001/XMLSchema-instance" xmlns:pc="http://schemas.microsoft.com/office/infopath/2007/PartnerControls">
+  <documentManagement>
+    <ReferenceId xmlns="7febf11f-f684-4171-8005-895c35ea71ed" xsi:nil="true"/>
+  </documentManagement>
+</p:properties>
+</file>
+
 <file path=customXml/itemProps1.xml><?xml version="1.0" encoding="utf-8"?>
-<ds:datastoreItem xmlns:ds="http://schemas.openxmlformats.org/officeDocument/2006/customXml" ds:itemID="{D20B3198-23DE-4849-8830-937CE29AC6C9}"/>
+<ds:datastoreItem xmlns:ds="http://schemas.openxmlformats.org/officeDocument/2006/customXml" ds:itemID="{D20B3198-23DE-4849-8830-937CE29AC6C9}">
+  <ds:schemaRefs>
+    <ds:schemaRef ds:uri="http://schemas.microsoft.com/office/2006/metadata/contentType"/>
+    <ds:schemaRef ds:uri="http://schemas.microsoft.com/office/2006/metadata/properties/metaAttributes"/>
+    <ds:schemaRef ds:uri="http://www.w3.org/2001/XMLSchema"/>
+    <ds:schemaRef ds:uri="http://schemas.microsoft.com/office/2006/metadata/properties"/>
+    <ds:schemaRef ds:uri="7febf11f-f684-4171-8005-895c35ea71ed"/>
+    <ds:schemaRef ds:uri="http://schemas.microsoft.com/office/2006/documentManagement/types"/>
+    <ds:schemaRef ds:uri="http://schemas.microsoft.com/office/infopath/2007/PartnerControls"/>
+    <ds:schemaRef ds:uri="http://schemas.openxmlformats.org/package/2006/metadata/core-properties"/>
+    <ds:schemaRef ds:uri="http://purl.org/dc/elements/1.1/"/>
+    <ds:schemaRef ds:uri="http://purl.org/dc/terms/"/>
+    <ds:schemaRef ds:uri="http://schemas.microsoft.com/internal/obd"/>
+  </ds:schemaRefs>
+</ds:datastoreItem>
 </file>
 
 <file path=customXml/itemProps2.xml><?xml version="1.0" encoding="utf-8"?>
+<ds:datastoreItem xmlns:ds="http://schemas.openxmlformats.org/officeDocument/2006/customXml" ds:itemID="{DC1998DB-6EAC-425B-93C9-6D83CDC3314B}">
+  <ds:schemaRefs>
+    <ds:schemaRef ds:uri="http://schemas.microsoft.com/sharepoint/v3/contenttype/forms"/>
+  </ds:schemaRefs>
+</ds:datastoreItem>
+</file>
+
+<file path=customXml/itemProps3.xml><?xml version="1.0" encoding="utf-8"?>
 <ds:datastoreItem xmlns:ds="http://schemas.openxmlformats.org/officeDocument/2006/customXml" ds:itemID="{6317813A-CB9D-4903-91FD-6CEFF4A4F5D4}">
   <ds:schemaRefs>
     <ds:schemaRef ds:uri="10dd6bbf-c3dc-4ca3-a830-2e118525d382"/>
@@ -19196,14 +19181,7 @@
     <ds:schemaRef ds:uri="http://schemas.microsoft.com/office/infopath/2007/PartnerControls"/>
     <ds:schemaRef ds:uri="http://schemas.openxmlformats.org/package/2006/metadata/core-properties"/>
     <ds:schemaRef ds:uri="http://www.w3.org/XML/1998/namespace"/>
-  </ds:schemaRefs>
-</ds:datastoreItem>
-</file>
-
-<file path=customXml/itemProps3.xml><?xml version="1.0" encoding="utf-8"?>
-<ds:datastoreItem xmlns:ds="http://schemas.openxmlformats.org/officeDocument/2006/customXml" ds:itemID="{DC1998DB-6EAC-425B-93C9-6D83CDC3314B}">
-  <ds:schemaRefs>
-    <ds:schemaRef ds:uri="http://schemas.microsoft.com/sharepoint/v3/contenttype/forms"/>
+    <ds:schemaRef ds:uri="7febf11f-f684-4171-8005-895c35ea71ed"/>
   </ds:schemaRefs>
 </ds:datastoreItem>
 </file>
--- a/2023-24 CMGT Intake - Design and Production.pptx
+++ b/2023-24 CMGT Intake - Design and Production.pptx
@@ -5,7 +5,7 @@
     <p:sldMasterId id="2147483658" r:id="rId4"/>
   </p:sldMasterIdLst>
   <p:notesMasterIdLst>
-    <p:notesMasterId r:id="rId15"/>
+    <p:notesMasterId r:id="rId20"/>
   </p:notesMasterIdLst>
   <p:sldIdLst>
     <p:sldId id="365" r:id="rId5"/>
@@ -17,38 +17,43 @@
     <p:sldId id="344" r:id="rId11"/>
     <p:sldId id="362" r:id="rId12"/>
     <p:sldId id="339" r:id="rId13"/>
-    <p:sldId id="353" r:id="rId14"/>
+    <p:sldId id="367" r:id="rId14"/>
+    <p:sldId id="368" r:id="rId15"/>
+    <p:sldId id="371" r:id="rId16"/>
+    <p:sldId id="370" r:id="rId17"/>
+    <p:sldId id="369" r:id="rId18"/>
+    <p:sldId id="353" r:id="rId19"/>
   </p:sldIdLst>
   <p:sldSz cx="9144000" cy="5143500" type="screen16x9"/>
   <p:notesSz cx="6858000" cy="9144000"/>
   <p:embeddedFontLst>
     <p:embeddedFont>
       <p:font typeface="Proxima Nova" panose="020B0604020202020204" charset="0"/>
-      <p:regular r:id="rId16"/>
-      <p:bold r:id="rId17"/>
-      <p:italic r:id="rId18"/>
-      <p:boldItalic r:id="rId19"/>
+      <p:regular r:id="rId21"/>
+      <p:bold r:id="rId22"/>
+      <p:italic r:id="rId23"/>
+      <p:boldItalic r:id="rId24"/>
     </p:embeddedFont>
     <p:embeddedFont>
       <p:font typeface="Roboto" panose="02000000000000000000" pitchFamily="2" charset="0"/>
-      <p:regular r:id="rId20"/>
-      <p:bold r:id="rId21"/>
-      <p:italic r:id="rId22"/>
-      <p:boldItalic r:id="rId23"/>
+      <p:regular r:id="rId25"/>
+      <p:bold r:id="rId26"/>
+      <p:italic r:id="rId27"/>
+      <p:boldItalic r:id="rId28"/>
     </p:embeddedFont>
     <p:embeddedFont>
       <p:font typeface="Roboto Light" panose="02000000000000000000" pitchFamily="2" charset="0"/>
-      <p:regular r:id="rId24"/>
-      <p:bold r:id="rId25"/>
-      <p:italic r:id="rId26"/>
-      <p:boldItalic r:id="rId27"/>
+      <p:regular r:id="rId29"/>
+      <p:bold r:id="rId30"/>
+      <p:italic r:id="rId31"/>
+      <p:boldItalic r:id="rId32"/>
     </p:embeddedFont>
     <p:embeddedFont>
       <p:font typeface="Roboto Thin" panose="02000000000000000000" pitchFamily="2" charset="0"/>
-      <p:regular r:id="rId28"/>
-      <p:bold r:id="rId29"/>
-      <p:italic r:id="rId30"/>
-      <p:boldItalic r:id="rId31"/>
+      <p:regular r:id="rId33"/>
+      <p:bold r:id="rId34"/>
+      <p:italic r:id="rId35"/>
+      <p:boldItalic r:id="rId36"/>
     </p:embeddedFont>
   </p:embeddedFontLst>
   <p:defaultTextStyle>
@@ -15303,6 +15308,868 @@
   <p:cSld>
     <p:spTree>
       <p:nvGrpSpPr>
+        <p:cNvPr id="1" name=""/>
+        <p:cNvGrpSpPr/>
+        <p:nvPr/>
+      </p:nvGrpSpPr>
+      <p:grpSpPr>
+        <a:xfrm>
+          <a:off x="0" y="0"/>
+          <a:ext cx="0" cy="0"/>
+          <a:chOff x="0" y="0"/>
+          <a:chExt cx="0" cy="0"/>
+        </a:xfrm>
+      </p:grpSpPr>
+      <p:sp>
+        <p:nvSpPr>
+          <p:cNvPr id="2" name="Title 1">
+            <a:extLst>
+              <a:ext uri="{FF2B5EF4-FFF2-40B4-BE49-F238E27FC236}">
+                <a16:creationId xmlns:a16="http://schemas.microsoft.com/office/drawing/2014/main" id="{0E023348-CACF-A216-722A-AC59CB26791E}"/>
+              </a:ext>
+            </a:extLst>
+          </p:cNvPr>
+          <p:cNvSpPr>
+            <a:spLocks noGrp="1"/>
+          </p:cNvSpPr>
+          <p:nvPr>
+            <p:ph type="title"/>
+          </p:nvPr>
+        </p:nvSpPr>
+        <p:spPr/>
+        <p:txBody>
+          <a:bodyPr/>
+          <a:lstStyle/>
+          <a:p>
+            <a:endParaRPr lang="nl-NL"/>
+          </a:p>
+        </p:txBody>
+      </p:sp>
+      <p:sp>
+        <p:nvSpPr>
+          <p:cNvPr id="3" name="Title 2">
+            <a:extLst>
+              <a:ext uri="{FF2B5EF4-FFF2-40B4-BE49-F238E27FC236}">
+                <a16:creationId xmlns:a16="http://schemas.microsoft.com/office/drawing/2014/main" id="{D4CC13D6-33A5-0AA5-05F6-0791493DA306}"/>
+              </a:ext>
+            </a:extLst>
+          </p:cNvPr>
+          <p:cNvSpPr>
+            <a:spLocks noGrp="1"/>
+          </p:cNvSpPr>
+          <p:nvPr>
+            <p:ph type="title" idx="2"/>
+          </p:nvPr>
+        </p:nvSpPr>
+        <p:spPr/>
+        <p:txBody>
+          <a:bodyPr/>
+          <a:lstStyle/>
+          <a:p>
+            <a:endParaRPr lang="nl-NL"/>
+          </a:p>
+        </p:txBody>
+      </p:sp>
+      <p:sp>
+        <p:nvSpPr>
+          <p:cNvPr id="4" name="Subtitle 3">
+            <a:extLst>
+              <a:ext uri="{FF2B5EF4-FFF2-40B4-BE49-F238E27FC236}">
+                <a16:creationId xmlns:a16="http://schemas.microsoft.com/office/drawing/2014/main" id="{92BBAF8C-3494-DA66-5141-016F75D3E95E}"/>
+              </a:ext>
+            </a:extLst>
+          </p:cNvPr>
+          <p:cNvSpPr>
+            <a:spLocks noGrp="1"/>
+          </p:cNvSpPr>
+          <p:nvPr>
+            <p:ph type="subTitle" idx="1"/>
+          </p:nvPr>
+        </p:nvSpPr>
+        <p:spPr/>
+        <p:txBody>
+          <a:bodyPr/>
+          <a:lstStyle/>
+          <a:p>
+            <a:r>
+              <a:rPr lang="nl-NL" dirty="0"/>
+              <a:t>Paper prototype horror game (Prototyping)</a:t>
+            </a:r>
+          </a:p>
+        </p:txBody>
+      </p:sp>
+      <p:sp>
+        <p:nvSpPr>
+          <p:cNvPr id="5" name="Text Placeholder 4">
+            <a:extLst>
+              <a:ext uri="{FF2B5EF4-FFF2-40B4-BE49-F238E27FC236}">
+                <a16:creationId xmlns:a16="http://schemas.microsoft.com/office/drawing/2014/main" id="{6C9444D7-8834-83D0-356D-206BF80799AF}"/>
+              </a:ext>
+            </a:extLst>
+          </p:cNvPr>
+          <p:cNvSpPr>
+            <a:spLocks noGrp="1"/>
+          </p:cNvSpPr>
+          <p:nvPr>
+            <p:ph type="body" idx="3"/>
+          </p:nvPr>
+        </p:nvSpPr>
+        <p:spPr/>
+        <p:txBody>
+          <a:bodyPr/>
+          <a:lstStyle/>
+          <a:p>
+            <a:endParaRPr lang="nl-NL"/>
+          </a:p>
+        </p:txBody>
+      </p:sp>
+      <p:sp>
+        <p:nvSpPr>
+          <p:cNvPr id="6" name="Title 5">
+            <a:extLst>
+              <a:ext uri="{FF2B5EF4-FFF2-40B4-BE49-F238E27FC236}">
+                <a16:creationId xmlns:a16="http://schemas.microsoft.com/office/drawing/2014/main" id="{09ED3D83-F75E-DC21-1514-60FFB52BDBE1}"/>
+              </a:ext>
+            </a:extLst>
+          </p:cNvPr>
+          <p:cNvSpPr>
+            <a:spLocks noGrp="1"/>
+          </p:cNvSpPr>
+          <p:nvPr>
+            <p:ph type="title" idx="4"/>
+          </p:nvPr>
+        </p:nvSpPr>
+        <p:spPr/>
+        <p:txBody>
+          <a:bodyPr/>
+          <a:lstStyle/>
+          <a:p>
+            <a:r>
+              <a:rPr lang="nl-NL" dirty="0"/>
+              <a:t>A</a:t>
+            </a:r>
+          </a:p>
+        </p:txBody>
+      </p:sp>
+    </p:spTree>
+    <p:extLst>
+      <p:ext uri="{BB962C8B-B14F-4D97-AF65-F5344CB8AC3E}">
+        <p14:creationId xmlns:p14="http://schemas.microsoft.com/office/powerpoint/2010/main" val="2759558587"/>
+      </p:ext>
+    </p:extLst>
+  </p:cSld>
+  <p:clrMapOvr>
+    <a:masterClrMapping/>
+  </p:clrMapOvr>
+</p:sld>
+</file>
+
+<file path=ppt/slides/slide11.xml><?xml version="1.0" encoding="utf-8"?>
+<p:sld xmlns:a="http://schemas.openxmlformats.org/drawingml/2006/main" xmlns:r="http://schemas.openxmlformats.org/officeDocument/2006/relationships" xmlns:p="http://schemas.openxmlformats.org/presentationml/2006/main">
+  <p:cSld>
+    <p:spTree>
+      <p:nvGrpSpPr>
+        <p:cNvPr id="1" name=""/>
+        <p:cNvGrpSpPr/>
+        <p:nvPr/>
+      </p:nvGrpSpPr>
+      <p:grpSpPr>
+        <a:xfrm>
+          <a:off x="0" y="0"/>
+          <a:ext cx="0" cy="0"/>
+          <a:chOff x="0" y="0"/>
+          <a:chExt cx="0" cy="0"/>
+        </a:xfrm>
+      </p:grpSpPr>
+      <p:sp>
+        <p:nvSpPr>
+          <p:cNvPr id="2" name="Title 1">
+            <a:extLst>
+              <a:ext uri="{FF2B5EF4-FFF2-40B4-BE49-F238E27FC236}">
+                <a16:creationId xmlns:a16="http://schemas.microsoft.com/office/drawing/2014/main" id="{27D89AA9-CC73-3CCD-1D91-9A8D136300D3}"/>
+              </a:ext>
+            </a:extLst>
+          </p:cNvPr>
+          <p:cNvSpPr>
+            <a:spLocks noGrp="1"/>
+          </p:cNvSpPr>
+          <p:nvPr>
+            <p:ph type="title"/>
+          </p:nvPr>
+        </p:nvSpPr>
+        <p:spPr/>
+        <p:txBody>
+          <a:bodyPr/>
+          <a:lstStyle/>
+          <a:p>
+            <a:endParaRPr lang="nl-NL"/>
+          </a:p>
+        </p:txBody>
+      </p:sp>
+      <p:sp>
+        <p:nvSpPr>
+          <p:cNvPr id="3" name="Title 2">
+            <a:extLst>
+              <a:ext uri="{FF2B5EF4-FFF2-40B4-BE49-F238E27FC236}">
+                <a16:creationId xmlns:a16="http://schemas.microsoft.com/office/drawing/2014/main" id="{E9E776C6-47EA-6F45-44D0-767B8EFDB97E}"/>
+              </a:ext>
+            </a:extLst>
+          </p:cNvPr>
+          <p:cNvSpPr>
+            <a:spLocks noGrp="1"/>
+          </p:cNvSpPr>
+          <p:nvPr>
+            <p:ph type="title" idx="2"/>
+          </p:nvPr>
+        </p:nvSpPr>
+        <p:spPr/>
+        <p:txBody>
+          <a:bodyPr/>
+          <a:lstStyle/>
+          <a:p>
+            <a:endParaRPr lang="nl-NL"/>
+          </a:p>
+        </p:txBody>
+      </p:sp>
+      <p:sp>
+        <p:nvSpPr>
+          <p:cNvPr id="4" name="Subtitle 3">
+            <a:extLst>
+              <a:ext uri="{FF2B5EF4-FFF2-40B4-BE49-F238E27FC236}">
+                <a16:creationId xmlns:a16="http://schemas.microsoft.com/office/drawing/2014/main" id="{C3E9DBDD-9B6F-0963-634C-C8D33D26EAF1}"/>
+              </a:ext>
+            </a:extLst>
+          </p:cNvPr>
+          <p:cNvSpPr>
+            <a:spLocks noGrp="1"/>
+          </p:cNvSpPr>
+          <p:nvPr>
+            <p:ph type="subTitle" idx="1"/>
+          </p:nvPr>
+        </p:nvSpPr>
+        <p:spPr>
+          <a:xfrm>
+            <a:off x="182880" y="667512"/>
+            <a:ext cx="5486400" cy="402300"/>
+          </a:xfrm>
+        </p:spPr>
+        <p:txBody>
+          <a:bodyPr/>
+          <a:lstStyle/>
+          <a:p>
+            <a:r>
+              <a:rPr lang="nl-NL" dirty="0" err="1"/>
+              <a:t>Warworks</a:t>
+            </a:r>
+            <a:r>
+              <a:rPr lang="nl-NL" dirty="0"/>
+              <a:t>: Notebook agile game </a:t>
+            </a:r>
+            <a:r>
+              <a:rPr lang="nl-NL" dirty="0" err="1"/>
+              <a:t>production</a:t>
+            </a:r>
+            <a:r>
+              <a:rPr lang="nl-NL" dirty="0"/>
+              <a:t> (system design)</a:t>
+            </a:r>
+          </a:p>
+        </p:txBody>
+      </p:sp>
+      <p:sp>
+        <p:nvSpPr>
+          <p:cNvPr id="5" name="Text Placeholder 4">
+            <a:extLst>
+              <a:ext uri="{FF2B5EF4-FFF2-40B4-BE49-F238E27FC236}">
+                <a16:creationId xmlns:a16="http://schemas.microsoft.com/office/drawing/2014/main" id="{DA05CFEE-7031-E101-1617-6CA8B7F59A93}"/>
+              </a:ext>
+            </a:extLst>
+          </p:cNvPr>
+          <p:cNvSpPr>
+            <a:spLocks noGrp="1"/>
+          </p:cNvSpPr>
+          <p:nvPr>
+            <p:ph type="body" idx="3"/>
+          </p:nvPr>
+        </p:nvSpPr>
+        <p:spPr/>
+        <p:txBody>
+          <a:bodyPr/>
+          <a:lstStyle/>
+          <a:p>
+            <a:endParaRPr lang="nl-NL"/>
+          </a:p>
+        </p:txBody>
+      </p:sp>
+      <p:sp>
+        <p:nvSpPr>
+          <p:cNvPr id="6" name="Title 5">
+            <a:extLst>
+              <a:ext uri="{FF2B5EF4-FFF2-40B4-BE49-F238E27FC236}">
+                <a16:creationId xmlns:a16="http://schemas.microsoft.com/office/drawing/2014/main" id="{B7051379-C55F-F627-D26F-A73FEC2B0087}"/>
+              </a:ext>
+            </a:extLst>
+          </p:cNvPr>
+          <p:cNvSpPr>
+            <a:spLocks noGrp="1"/>
+          </p:cNvSpPr>
+          <p:nvPr>
+            <p:ph type="title" idx="4"/>
+          </p:nvPr>
+        </p:nvSpPr>
+        <p:spPr/>
+        <p:txBody>
+          <a:bodyPr/>
+          <a:lstStyle/>
+          <a:p>
+            <a:r>
+              <a:rPr lang="nl-NL" dirty="0"/>
+              <a:t>A</a:t>
+            </a:r>
+          </a:p>
+        </p:txBody>
+      </p:sp>
+    </p:spTree>
+    <p:extLst>
+      <p:ext uri="{BB962C8B-B14F-4D97-AF65-F5344CB8AC3E}">
+        <p14:creationId xmlns:p14="http://schemas.microsoft.com/office/powerpoint/2010/main" val="3403082778"/>
+      </p:ext>
+    </p:extLst>
+  </p:cSld>
+  <p:clrMapOvr>
+    <a:masterClrMapping/>
+  </p:clrMapOvr>
+</p:sld>
+</file>
+
+<file path=ppt/slides/slide12.xml><?xml version="1.0" encoding="utf-8"?>
+<p:sld xmlns:a="http://schemas.openxmlformats.org/drawingml/2006/main" xmlns:r="http://schemas.openxmlformats.org/officeDocument/2006/relationships" xmlns:p="http://schemas.openxmlformats.org/presentationml/2006/main">
+  <p:cSld>
+    <p:spTree>
+      <p:nvGrpSpPr>
+        <p:cNvPr id="1" name=""/>
+        <p:cNvGrpSpPr/>
+        <p:nvPr/>
+      </p:nvGrpSpPr>
+      <p:grpSpPr>
+        <a:xfrm>
+          <a:off x="0" y="0"/>
+          <a:ext cx="0" cy="0"/>
+          <a:chOff x="0" y="0"/>
+          <a:chExt cx="0" cy="0"/>
+        </a:xfrm>
+      </p:grpSpPr>
+      <p:sp>
+        <p:nvSpPr>
+          <p:cNvPr id="2" name="Title 1">
+            <a:extLst>
+              <a:ext uri="{FF2B5EF4-FFF2-40B4-BE49-F238E27FC236}">
+                <a16:creationId xmlns:a16="http://schemas.microsoft.com/office/drawing/2014/main" id="{4DA8AC3A-3025-C6B3-FAC9-9F66E610A598}"/>
+              </a:ext>
+            </a:extLst>
+          </p:cNvPr>
+          <p:cNvSpPr>
+            <a:spLocks noGrp="1"/>
+          </p:cNvSpPr>
+          <p:nvPr>
+            <p:ph type="title"/>
+          </p:nvPr>
+        </p:nvSpPr>
+        <p:spPr/>
+        <p:txBody>
+          <a:bodyPr/>
+          <a:lstStyle/>
+          <a:p>
+            <a:endParaRPr lang="nl-NL"/>
+          </a:p>
+        </p:txBody>
+      </p:sp>
+      <p:sp>
+        <p:nvSpPr>
+          <p:cNvPr id="3" name="Title 2">
+            <a:extLst>
+              <a:ext uri="{FF2B5EF4-FFF2-40B4-BE49-F238E27FC236}">
+                <a16:creationId xmlns:a16="http://schemas.microsoft.com/office/drawing/2014/main" id="{D5EE6131-40C7-D72A-4341-766C45244239}"/>
+              </a:ext>
+            </a:extLst>
+          </p:cNvPr>
+          <p:cNvSpPr>
+            <a:spLocks noGrp="1"/>
+          </p:cNvSpPr>
+          <p:nvPr>
+            <p:ph type="title" idx="2"/>
+          </p:nvPr>
+        </p:nvSpPr>
+        <p:spPr/>
+        <p:txBody>
+          <a:bodyPr/>
+          <a:lstStyle/>
+          <a:p>
+            <a:endParaRPr lang="nl-NL"/>
+          </a:p>
+        </p:txBody>
+      </p:sp>
+      <p:sp>
+        <p:nvSpPr>
+          <p:cNvPr id="4" name="Subtitle 3">
+            <a:extLst>
+              <a:ext uri="{FF2B5EF4-FFF2-40B4-BE49-F238E27FC236}">
+                <a16:creationId xmlns:a16="http://schemas.microsoft.com/office/drawing/2014/main" id="{5661C612-05F5-8BFB-54C0-90643ADFDA10}"/>
+              </a:ext>
+            </a:extLst>
+          </p:cNvPr>
+          <p:cNvSpPr>
+            <a:spLocks noGrp="1"/>
+          </p:cNvSpPr>
+          <p:nvPr>
+            <p:ph type="subTitle" idx="1"/>
+          </p:nvPr>
+        </p:nvSpPr>
+        <p:spPr/>
+        <p:txBody>
+          <a:bodyPr/>
+          <a:lstStyle/>
+          <a:p>
+            <a:r>
+              <a:rPr lang="nl-NL" dirty="0" err="1"/>
+              <a:t>Warworks</a:t>
+            </a:r>
+            <a:r>
+              <a:rPr lang="nl-NL" dirty="0"/>
+              <a:t> (focus on teamwork)</a:t>
+            </a:r>
+          </a:p>
+        </p:txBody>
+      </p:sp>
+      <p:sp>
+        <p:nvSpPr>
+          <p:cNvPr id="5" name="Text Placeholder 4">
+            <a:extLst>
+              <a:ext uri="{FF2B5EF4-FFF2-40B4-BE49-F238E27FC236}">
+                <a16:creationId xmlns:a16="http://schemas.microsoft.com/office/drawing/2014/main" id="{9D5E97F5-A7A7-BC52-15A8-709DB3DC7529}"/>
+              </a:ext>
+            </a:extLst>
+          </p:cNvPr>
+          <p:cNvSpPr>
+            <a:spLocks noGrp="1"/>
+          </p:cNvSpPr>
+          <p:nvPr>
+            <p:ph type="body" idx="3"/>
+          </p:nvPr>
+        </p:nvSpPr>
+        <p:spPr/>
+        <p:txBody>
+          <a:bodyPr/>
+          <a:lstStyle/>
+          <a:p>
+            <a:endParaRPr lang="nl-NL"/>
+          </a:p>
+        </p:txBody>
+      </p:sp>
+      <p:sp>
+        <p:nvSpPr>
+          <p:cNvPr id="6" name="Title 5">
+            <a:extLst>
+              <a:ext uri="{FF2B5EF4-FFF2-40B4-BE49-F238E27FC236}">
+                <a16:creationId xmlns:a16="http://schemas.microsoft.com/office/drawing/2014/main" id="{D74F0854-8F98-0B72-8074-2D1A64AAD60F}"/>
+              </a:ext>
+            </a:extLst>
+          </p:cNvPr>
+          <p:cNvSpPr>
+            <a:spLocks noGrp="1"/>
+          </p:cNvSpPr>
+          <p:nvPr>
+            <p:ph type="title" idx="4"/>
+          </p:nvPr>
+        </p:nvSpPr>
+        <p:spPr/>
+        <p:txBody>
+          <a:bodyPr/>
+          <a:lstStyle/>
+          <a:p>
+            <a:r>
+              <a:rPr lang="nl-NL" dirty="0"/>
+              <a:t>A</a:t>
+            </a:r>
+          </a:p>
+        </p:txBody>
+      </p:sp>
+    </p:spTree>
+    <p:extLst>
+      <p:ext uri="{BB962C8B-B14F-4D97-AF65-F5344CB8AC3E}">
+        <p14:creationId xmlns:p14="http://schemas.microsoft.com/office/powerpoint/2010/main" val="2133623054"/>
+      </p:ext>
+    </p:extLst>
+  </p:cSld>
+  <p:clrMapOvr>
+    <a:masterClrMapping/>
+  </p:clrMapOvr>
+</p:sld>
+</file>
+
+<file path=ppt/slides/slide13.xml><?xml version="1.0" encoding="utf-8"?>
+<p:sld xmlns:a="http://schemas.openxmlformats.org/drawingml/2006/main" xmlns:r="http://schemas.openxmlformats.org/officeDocument/2006/relationships" xmlns:p="http://schemas.openxmlformats.org/presentationml/2006/main">
+  <p:cSld>
+    <p:spTree>
+      <p:nvGrpSpPr>
+        <p:cNvPr id="1" name=""/>
+        <p:cNvGrpSpPr/>
+        <p:nvPr/>
+      </p:nvGrpSpPr>
+      <p:grpSpPr>
+        <a:xfrm>
+          <a:off x="0" y="0"/>
+          <a:ext cx="0" cy="0"/>
+          <a:chOff x="0" y="0"/>
+          <a:chExt cx="0" cy="0"/>
+        </a:xfrm>
+      </p:grpSpPr>
+      <p:sp>
+        <p:nvSpPr>
+          <p:cNvPr id="2" name="Title 1">
+            <a:extLst>
+              <a:ext uri="{FF2B5EF4-FFF2-40B4-BE49-F238E27FC236}">
+                <a16:creationId xmlns:a16="http://schemas.microsoft.com/office/drawing/2014/main" id="{B804DEAF-667A-62B8-247E-E396C89ADA54}"/>
+              </a:ext>
+            </a:extLst>
+          </p:cNvPr>
+          <p:cNvSpPr>
+            <a:spLocks noGrp="1"/>
+          </p:cNvSpPr>
+          <p:nvPr>
+            <p:ph type="title"/>
+          </p:nvPr>
+        </p:nvSpPr>
+        <p:spPr/>
+        <p:txBody>
+          <a:bodyPr/>
+          <a:lstStyle/>
+          <a:p>
+            <a:endParaRPr lang="nl-NL"/>
+          </a:p>
+        </p:txBody>
+      </p:sp>
+      <p:sp>
+        <p:nvSpPr>
+          <p:cNvPr id="3" name="Title 2">
+            <a:extLst>
+              <a:ext uri="{FF2B5EF4-FFF2-40B4-BE49-F238E27FC236}">
+                <a16:creationId xmlns:a16="http://schemas.microsoft.com/office/drawing/2014/main" id="{1E42065B-D405-F41D-4885-85878EA18C90}"/>
+              </a:ext>
+            </a:extLst>
+          </p:cNvPr>
+          <p:cNvSpPr>
+            <a:spLocks noGrp="1"/>
+          </p:cNvSpPr>
+          <p:nvPr>
+            <p:ph type="title" idx="2"/>
+          </p:nvPr>
+        </p:nvSpPr>
+        <p:spPr/>
+        <p:txBody>
+          <a:bodyPr/>
+          <a:lstStyle/>
+          <a:p>
+            <a:endParaRPr lang="nl-NL"/>
+          </a:p>
+        </p:txBody>
+      </p:sp>
+      <p:sp>
+        <p:nvSpPr>
+          <p:cNvPr id="4" name="Subtitle 3">
+            <a:extLst>
+              <a:ext uri="{FF2B5EF4-FFF2-40B4-BE49-F238E27FC236}">
+                <a16:creationId xmlns:a16="http://schemas.microsoft.com/office/drawing/2014/main" id="{005F6C7F-BAD6-1CFD-5CEB-55191BEBBFE3}"/>
+              </a:ext>
+            </a:extLst>
+          </p:cNvPr>
+          <p:cNvSpPr>
+            <a:spLocks noGrp="1"/>
+          </p:cNvSpPr>
+          <p:nvPr>
+            <p:ph type="subTitle" idx="1"/>
+          </p:nvPr>
+        </p:nvSpPr>
+        <p:spPr/>
+        <p:txBody>
+          <a:bodyPr/>
+          <a:lstStyle/>
+          <a:p>
+            <a:r>
+              <a:rPr lang="nl-NL" dirty="0"/>
+              <a:t>Level design </a:t>
+            </a:r>
+            <a:r>
+              <a:rPr lang="nl-NL" dirty="0" err="1"/>
+              <a:t>Exo</a:t>
+            </a:r>
+            <a:r>
+              <a:rPr lang="nl-NL" dirty="0"/>
+              <a:t> (teamwork in a big team of 30+ </a:t>
+            </a:r>
+            <a:r>
+              <a:rPr lang="nl-NL" dirty="0" err="1"/>
+              <a:t>people</a:t>
+            </a:r>
+            <a:r>
+              <a:rPr lang="nl-NL" dirty="0"/>
+              <a:t>)</a:t>
+            </a:r>
+          </a:p>
+        </p:txBody>
+      </p:sp>
+      <p:sp>
+        <p:nvSpPr>
+          <p:cNvPr id="5" name="Text Placeholder 4">
+            <a:extLst>
+              <a:ext uri="{FF2B5EF4-FFF2-40B4-BE49-F238E27FC236}">
+                <a16:creationId xmlns:a16="http://schemas.microsoft.com/office/drawing/2014/main" id="{5AE36AB4-E03B-2DA2-6E85-75A5B60F7745}"/>
+              </a:ext>
+            </a:extLst>
+          </p:cNvPr>
+          <p:cNvSpPr>
+            <a:spLocks noGrp="1"/>
+          </p:cNvSpPr>
+          <p:nvPr>
+            <p:ph type="body" idx="3"/>
+          </p:nvPr>
+        </p:nvSpPr>
+        <p:spPr/>
+        <p:txBody>
+          <a:bodyPr/>
+          <a:lstStyle/>
+          <a:p>
+            <a:endParaRPr lang="nl-NL"/>
+          </a:p>
+        </p:txBody>
+      </p:sp>
+      <p:sp>
+        <p:nvSpPr>
+          <p:cNvPr id="6" name="Title 5">
+            <a:extLst>
+              <a:ext uri="{FF2B5EF4-FFF2-40B4-BE49-F238E27FC236}">
+                <a16:creationId xmlns:a16="http://schemas.microsoft.com/office/drawing/2014/main" id="{23C88C38-EB3A-084C-500E-B51D6FCEFC9D}"/>
+              </a:ext>
+            </a:extLst>
+          </p:cNvPr>
+          <p:cNvSpPr>
+            <a:spLocks noGrp="1"/>
+          </p:cNvSpPr>
+          <p:nvPr>
+            <p:ph type="title" idx="4"/>
+          </p:nvPr>
+        </p:nvSpPr>
+        <p:spPr/>
+        <p:txBody>
+          <a:bodyPr/>
+          <a:lstStyle/>
+          <a:p>
+            <a:r>
+              <a:rPr lang="nl-NL" dirty="0"/>
+              <a:t>A</a:t>
+            </a:r>
+          </a:p>
+        </p:txBody>
+      </p:sp>
+    </p:spTree>
+    <p:extLst>
+      <p:ext uri="{BB962C8B-B14F-4D97-AF65-F5344CB8AC3E}">
+        <p14:creationId xmlns:p14="http://schemas.microsoft.com/office/powerpoint/2010/main" val="2471781019"/>
+      </p:ext>
+    </p:extLst>
+  </p:cSld>
+  <p:clrMapOvr>
+    <a:masterClrMapping/>
+  </p:clrMapOvr>
+</p:sld>
+</file>
+
+<file path=ppt/slides/slide14.xml><?xml version="1.0" encoding="utf-8"?>
+<p:sld xmlns:a="http://schemas.openxmlformats.org/drawingml/2006/main" xmlns:r="http://schemas.openxmlformats.org/officeDocument/2006/relationships" xmlns:p="http://schemas.openxmlformats.org/presentationml/2006/main">
+  <p:cSld>
+    <p:spTree>
+      <p:nvGrpSpPr>
+        <p:cNvPr id="1" name=""/>
+        <p:cNvGrpSpPr/>
+        <p:nvPr/>
+      </p:nvGrpSpPr>
+      <p:grpSpPr>
+        <a:xfrm>
+          <a:off x="0" y="0"/>
+          <a:ext cx="0" cy="0"/>
+          <a:chOff x="0" y="0"/>
+          <a:chExt cx="0" cy="0"/>
+        </a:xfrm>
+      </p:grpSpPr>
+      <p:sp>
+        <p:nvSpPr>
+          <p:cNvPr id="2" name="Title 1">
+            <a:extLst>
+              <a:ext uri="{FF2B5EF4-FFF2-40B4-BE49-F238E27FC236}">
+                <a16:creationId xmlns:a16="http://schemas.microsoft.com/office/drawing/2014/main" id="{C04BE641-4F82-CEAA-7D10-8F284CBE82CF}"/>
+              </a:ext>
+            </a:extLst>
+          </p:cNvPr>
+          <p:cNvSpPr>
+            <a:spLocks noGrp="1"/>
+          </p:cNvSpPr>
+          <p:nvPr>
+            <p:ph type="title"/>
+          </p:nvPr>
+        </p:nvSpPr>
+        <p:spPr/>
+        <p:txBody>
+          <a:bodyPr/>
+          <a:lstStyle/>
+          <a:p>
+            <a:endParaRPr lang="nl-NL"/>
+          </a:p>
+        </p:txBody>
+      </p:sp>
+      <p:sp>
+        <p:nvSpPr>
+          <p:cNvPr id="3" name="Title 2">
+            <a:extLst>
+              <a:ext uri="{FF2B5EF4-FFF2-40B4-BE49-F238E27FC236}">
+                <a16:creationId xmlns:a16="http://schemas.microsoft.com/office/drawing/2014/main" id="{E2AD1820-1867-8623-1D50-E8FF5D672DBA}"/>
+              </a:ext>
+            </a:extLst>
+          </p:cNvPr>
+          <p:cNvSpPr>
+            <a:spLocks noGrp="1"/>
+          </p:cNvSpPr>
+          <p:nvPr>
+            <p:ph type="title" idx="2"/>
+          </p:nvPr>
+        </p:nvSpPr>
+        <p:spPr/>
+        <p:txBody>
+          <a:bodyPr/>
+          <a:lstStyle/>
+          <a:p>
+            <a:endParaRPr lang="nl-NL"/>
+          </a:p>
+        </p:txBody>
+      </p:sp>
+      <p:sp>
+        <p:nvSpPr>
+          <p:cNvPr id="4" name="Subtitle 3">
+            <a:extLst>
+              <a:ext uri="{FF2B5EF4-FFF2-40B4-BE49-F238E27FC236}">
+                <a16:creationId xmlns:a16="http://schemas.microsoft.com/office/drawing/2014/main" id="{D5BA2EBF-6CF5-48D9-D024-31EB8354CB43}"/>
+              </a:ext>
+            </a:extLst>
+          </p:cNvPr>
+          <p:cNvSpPr>
+            <a:spLocks noGrp="1"/>
+          </p:cNvSpPr>
+          <p:nvPr>
+            <p:ph type="subTitle" idx="1"/>
+          </p:nvPr>
+        </p:nvSpPr>
+        <p:spPr/>
+        <p:txBody>
+          <a:bodyPr/>
+          <a:lstStyle/>
+          <a:p>
+            <a:r>
+              <a:rPr lang="nl-NL" dirty="0" err="1"/>
+              <a:t>Untitled</a:t>
+            </a:r>
+            <a:r>
+              <a:rPr lang="nl-NL" dirty="0"/>
+              <a:t> card game: A </a:t>
+            </a:r>
+            <a:r>
+              <a:rPr lang="nl-NL" dirty="0" err="1"/>
+              <a:t>working</a:t>
+            </a:r>
+            <a:r>
+              <a:rPr lang="nl-NL" dirty="0"/>
+              <a:t> </a:t>
+            </a:r>
+            <a:r>
+              <a:rPr lang="nl-NL" dirty="0" err="1"/>
+              <a:t>title</a:t>
+            </a:r>
+            <a:r>
+              <a:rPr lang="nl-NL" dirty="0"/>
+              <a:t> (personal project)</a:t>
+            </a:r>
+          </a:p>
+        </p:txBody>
+      </p:sp>
+      <p:sp>
+        <p:nvSpPr>
+          <p:cNvPr id="5" name="Text Placeholder 4">
+            <a:extLst>
+              <a:ext uri="{FF2B5EF4-FFF2-40B4-BE49-F238E27FC236}">
+                <a16:creationId xmlns:a16="http://schemas.microsoft.com/office/drawing/2014/main" id="{9F4D827E-52DF-D7AF-CFB9-20B5B4A8E3FB}"/>
+              </a:ext>
+            </a:extLst>
+          </p:cNvPr>
+          <p:cNvSpPr>
+            <a:spLocks noGrp="1"/>
+          </p:cNvSpPr>
+          <p:nvPr>
+            <p:ph type="body" idx="3"/>
+          </p:nvPr>
+        </p:nvSpPr>
+        <p:spPr/>
+        <p:txBody>
+          <a:bodyPr/>
+          <a:lstStyle/>
+          <a:p>
+            <a:endParaRPr lang="nl-NL"/>
+          </a:p>
+        </p:txBody>
+      </p:sp>
+      <p:sp>
+        <p:nvSpPr>
+          <p:cNvPr id="6" name="Title 5">
+            <a:extLst>
+              <a:ext uri="{FF2B5EF4-FFF2-40B4-BE49-F238E27FC236}">
+                <a16:creationId xmlns:a16="http://schemas.microsoft.com/office/drawing/2014/main" id="{66E6C81A-3727-2B55-7F8F-31EBE743DB22}"/>
+              </a:ext>
+            </a:extLst>
+          </p:cNvPr>
+          <p:cNvSpPr>
+            <a:spLocks noGrp="1"/>
+          </p:cNvSpPr>
+          <p:nvPr>
+            <p:ph type="title" idx="4"/>
+          </p:nvPr>
+        </p:nvSpPr>
+        <p:spPr/>
+        <p:txBody>
+          <a:bodyPr/>
+          <a:lstStyle/>
+          <a:p>
+            <a:r>
+              <a:rPr lang="nl-NL" dirty="0"/>
+              <a:t>A</a:t>
+            </a:r>
+          </a:p>
+        </p:txBody>
+      </p:sp>
+    </p:spTree>
+    <p:extLst>
+      <p:ext uri="{BB962C8B-B14F-4D97-AF65-F5344CB8AC3E}">
+        <p14:creationId xmlns:p14="http://schemas.microsoft.com/office/powerpoint/2010/main" val="359474145"/>
+      </p:ext>
+    </p:extLst>
+  </p:cSld>
+  <p:clrMapOvr>
+    <a:masterClrMapping/>
+  </p:clrMapOvr>
+</p:sld>
+</file>
+
+<file path=ppt/slides/slide15.xml><?xml version="1.0" encoding="utf-8"?>
+<p:sld xmlns:a="http://schemas.openxmlformats.org/drawingml/2006/main" xmlns:r="http://schemas.openxmlformats.org/officeDocument/2006/relationships" xmlns:p="http://schemas.openxmlformats.org/presentationml/2006/main">
+  <p:cSld>
+    <p:spTree>
+      <p:nvGrpSpPr>
         <p:cNvPr id="1" name="Shape 108"/>
         <p:cNvGrpSpPr/>
         <p:nvPr/>
@@ -15966,8 +16833,8 @@
         </p:nvSpPr>
         <p:spPr>
           <a:xfrm>
-            <a:off x="182880" y="667512"/>
-            <a:ext cx="6677025" cy="402300"/>
+            <a:off x="182880" y="667511"/>
+            <a:ext cx="6677025" cy="484781"/>
           </a:xfrm>
           <a:prstGeom prst="rect">
             <a:avLst/>
@@ -15999,13 +16866,13 @@
               <a:rPr lang="en-GB" sz="1000" b="0" dirty="0" err="1">
                 <a:latin typeface="+mn-lt"/>
               </a:rPr>
-              <a:t>eg</a:t>
+              <a:t>Mbo</a:t>
             </a:r>
             <a:r>
               <a:rPr lang="en-GB" sz="1000" b="0" dirty="0">
                 <a:latin typeface="+mn-lt"/>
               </a:rPr>
-              <a:t>: school/college)</a:t>
+              <a:t> 4, Game Art at Sint-Lucas)</a:t>
             </a:r>
           </a:p>
           <a:p>
@@ -16032,19 +16899,7 @@
               <a:rPr lang="en-GB" sz="1000" b="0" dirty="0">
                 <a:latin typeface="+mn-lt"/>
               </a:rPr>
-              <a:t>(</a:t>
-            </a:r>
-            <a:r>
-              <a:rPr lang="en-GB" sz="1000" b="0" dirty="0" err="1">
-                <a:latin typeface="+mn-lt"/>
-              </a:rPr>
-              <a:t>eg</a:t>
-            </a:r>
-            <a:r>
-              <a:rPr lang="en-GB" sz="1000" b="0" dirty="0">
-                <a:latin typeface="+mn-lt"/>
-              </a:rPr>
-              <a:t>: Breda University of Applied Science. Creative Media and Game Technologies. Bachelor's Degree)</a:t>
+              <a:t>No</a:t>
             </a:r>
           </a:p>
           <a:p>
@@ -16287,7 +17142,7 @@
           <a:p>
             <a:pPr marL="0" indent="0"/>
             <a:r>
-              <a:rPr lang="en-GB">
+              <a:rPr lang="en-GB" dirty="0">
                 <a:latin typeface="+mn-lt"/>
               </a:rPr>
               <a:t>Rules</a:t>
@@ -16299,7 +17154,7 @@
               <a:buChar char="•"/>
             </a:pPr>
             <a:r>
-              <a:rPr lang="en-GB" sz="1000" b="0" i="0">
+              <a:rPr lang="en-GB" sz="1000" b="0" i="0" dirty="0">
                 <a:latin typeface="+mn-lt"/>
               </a:rPr>
               <a:t>Game must be a side scrolling platformer.</a:t>
@@ -16311,19 +17166,19 @@
               <a:buChar char="•"/>
             </a:pPr>
             <a:r>
-              <a:rPr lang="en-GB" sz="1000" b="0" i="0">
+              <a:rPr lang="en-GB" sz="1000" b="0" i="0" dirty="0">
                 <a:latin typeface="+mn-lt"/>
               </a:rPr>
               <a:t>You can only use your own art, art provided through a tutorial or art from </a:t>
             </a:r>
             <a:r>
-              <a:rPr lang="en-GB" sz="1000" b="0" i="0">
+              <a:rPr lang="en-GB" sz="1000" b="0" i="0" dirty="0">
                 <a:latin typeface="+mn-lt"/>
                 <a:hlinkClick r:id="rId3"/>
               </a:rPr>
               <a:t>Kenney.nl</a:t>
             </a:r>
-            <a:endParaRPr lang="en-GB" sz="1000" b="0" i="0">
+            <a:endParaRPr lang="en-GB" sz="1000" b="0" i="0" dirty="0">
               <a:latin typeface="+mn-lt"/>
             </a:endParaRPr>
           </a:p>
@@ -16333,7 +17188,7 @@
               <a:buChar char="•"/>
             </a:pPr>
             <a:r>
-              <a:rPr lang="en-GB" sz="1000" b="0" i="0">
+              <a:rPr lang="en-GB" sz="1000" b="0" i="0" dirty="0">
                 <a:latin typeface="+mn-lt"/>
               </a:rPr>
               <a:t>Marketplace assets are not allowed.</a:t>
@@ -16345,19 +17200,19 @@
               <a:buChar char="•"/>
             </a:pPr>
             <a:r>
-              <a:rPr lang="en-GB" sz="1000" b="0" i="0">
+              <a:rPr lang="en-GB" sz="1000" b="0" i="0" dirty="0">
                 <a:latin typeface="+mn-lt"/>
               </a:rPr>
               <a:t>If you use a tutorial, clearly reference it</a:t>
             </a:r>
             <a:r>
-              <a:rPr lang="en-GB" sz="1000" b="0">
+              <a:rPr lang="en-GB" sz="1000" b="0" dirty="0">
                 <a:latin typeface="+mn-lt"/>
               </a:rPr>
               <a:t> and build at least one new feature not part of the tutorial</a:t>
             </a:r>
             <a:r>
-              <a:rPr lang="en-GB" sz="1000" b="0" i="0">
+              <a:rPr lang="en-GB" sz="1000" b="0" i="0" dirty="0">
                 <a:latin typeface="+mn-lt"/>
               </a:rPr>
               <a:t>.</a:t>
@@ -16686,7 +17541,29 @@
           <a:p>
             <a:pPr marL="0" indent="0"/>
             <a:r>
-              <a:rPr lang="en-GB" sz="1600">
+              <a:rPr lang="en-GB" sz="1600" dirty="0">
+                <a:latin typeface="+mn-lt"/>
+              </a:rPr>
+              <a:t>I made a playlist of tutorials I used to make this game</a:t>
+            </a:r>
+          </a:p>
+          <a:p>
+            <a:pPr marL="87312" indent="0"/>
+            <a:r>
+              <a:rPr lang="en-GB" sz="1000" b="0" dirty="0">
+                <a:latin typeface="+mn-lt"/>
+                <a:hlinkClick r:id="rId4"/>
+              </a:rPr>
+              <a:t>https://youtube.com/playlist?list=PL4vimhMaVpMKV2AOJI1g4C6j_dsOf0hJw</a:t>
+            </a:r>
+            <a:endParaRPr lang="en-GB" sz="1000" b="0" dirty="0">
+              <a:latin typeface="+mn-lt"/>
+            </a:endParaRPr>
+          </a:p>
+          <a:p>
+            <a:pPr marL="0" indent="0"/>
+            <a:r>
+              <a:rPr lang="en-GB" sz="1600" dirty="0">
                 <a:latin typeface="+mn-lt"/>
               </a:rPr>
               <a:t>Provide 3 to 5 diagrams of ideas for your game</a:t>
@@ -16698,7 +17575,7 @@
               <a:buChar char="•"/>
             </a:pPr>
             <a:r>
-              <a:rPr lang="en-GB" sz="1000" b="0">
+              <a:rPr lang="en-GB" sz="1000" b="0" dirty="0">
                 <a:latin typeface="+mn-lt"/>
               </a:rPr>
               <a:t>Add one sentence per image describing what the image is about. </a:t>
@@ -16709,7 +17586,7 @@
               <a:buFont typeface="Arial" panose="020B0604020202020204" pitchFamily="34" charset="0"/>
               <a:buChar char="•"/>
             </a:pPr>
-            <a:endParaRPr lang="en-GB" sz="1600">
+            <a:endParaRPr lang="en-GB" sz="1600" dirty="0">
               <a:latin typeface="+mn-lt"/>
             </a:endParaRPr>
           </a:p>
@@ -17000,7 +17877,7 @@
           <a:p>
             <a:pPr marL="0" indent="0"/>
             <a:r>
-              <a:rPr lang="en-GB">
+              <a:rPr lang="en-GB" dirty="0">
                 <a:latin typeface="+mn-lt"/>
               </a:rPr>
               <a:t>Provide a short description of your game</a:t>
@@ -17012,10 +17889,10 @@
               <a:buChar char="•"/>
             </a:pPr>
             <a:r>
-              <a:rPr lang="en-GB" sz="1000" b="0">
+              <a:rPr lang="en-GB" sz="1000" b="0" dirty="0">
                 <a:latin typeface="+mn-lt"/>
               </a:rPr>
-              <a:t>Title:</a:t>
+              <a:t>Out run the past .</a:t>
             </a:r>
           </a:p>
           <a:p>
@@ -17024,14 +17901,11 @@
               <a:buChar char="•"/>
             </a:pPr>
             <a:r>
-              <a:rPr lang="en-GB" sz="1000" b="0">
+              <a:rPr lang="en-GB" sz="1000" b="0" dirty="0">
                 <a:latin typeface="+mn-lt"/>
               </a:rPr>
-              <a:t>Description of the game: 2-5 sentences</a:t>
+              <a:t>A fun side scroller platformer where you need go to check point. And you can improve your time or try to find best route to a better time.</a:t>
             </a:r>
-            <a:endParaRPr lang="en-GB" sz="1600">
-              <a:latin typeface="+mn-lt"/>
-            </a:endParaRPr>
           </a:p>
         </p:txBody>
       </p:sp>
@@ -17150,12 +18024,98 @@
               </a:spcAft>
             </a:pPr>
             <a:r>
-              <a:rPr lang="en-GB" b="0">
+              <a:rPr lang="en-GB" b="0" dirty="0">
                 <a:latin typeface="+mn-lt"/>
               </a:rPr>
               <a:t>Describe 3 important design decisions and your justification for them.</a:t>
             </a:r>
-            <a:endParaRPr lang="en-GB" b="0">
+          </a:p>
+          <a:p>
+            <a:pPr marL="0" lvl="0" indent="0" algn="l" rtl="0">
+              <a:spcBef>
+                <a:spcPts val="0"/>
+              </a:spcBef>
+              <a:spcAft>
+                <a:spcPts val="0"/>
+              </a:spcAft>
+            </a:pPr>
+            <a:endParaRPr lang="en-GB" b="0" dirty="0">
+              <a:latin typeface="+mn-lt"/>
+              <a:ea typeface="Calibri" panose="020F0502020204030204" pitchFamily="34" charset="0"/>
+            </a:endParaRPr>
+          </a:p>
+          <a:p>
+            <a:pPr marL="0" lvl="0" indent="0" algn="l" rtl="0">
+              <a:spcBef>
+                <a:spcPts val="0"/>
+              </a:spcBef>
+              <a:spcAft>
+                <a:spcPts val="0"/>
+              </a:spcAft>
+            </a:pPr>
+            <a:r>
+              <a:rPr lang="en-GB" sz="1100" b="0" dirty="0">
+                <a:latin typeface="+mn-lt"/>
+                <a:ea typeface="Calibri" panose="020F0502020204030204" pitchFamily="34" charset="0"/>
+              </a:rPr>
+              <a:t>A classmate of mine said she found the character a little bit floaty. And suggested a dash after looking in to making a dash I decided to look for a less complicated solution. I changed the level design to go less up and more forward. This made it feel less floaty. (and I learned that players know what the problems are, but don’t always have good solutions)</a:t>
+            </a:r>
+          </a:p>
+          <a:p>
+            <a:pPr marL="0" lvl="0" indent="0" algn="l" rtl="0">
+              <a:spcBef>
+                <a:spcPts val="0"/>
+              </a:spcBef>
+              <a:spcAft>
+                <a:spcPts val="0"/>
+              </a:spcAft>
+            </a:pPr>
+            <a:endParaRPr lang="en-GB" sz="1100" b="0" dirty="0">
+              <a:latin typeface="+mn-lt"/>
+              <a:ea typeface="Calibri" panose="020F0502020204030204" pitchFamily="34" charset="0"/>
+            </a:endParaRPr>
+          </a:p>
+          <a:p>
+            <a:pPr marL="0" lvl="0" indent="0" algn="l" rtl="0">
+              <a:spcBef>
+                <a:spcPts val="0"/>
+              </a:spcBef>
+              <a:spcAft>
+                <a:spcPts val="0"/>
+              </a:spcAft>
+            </a:pPr>
+            <a:r>
+              <a:rPr lang="en-GB" sz="1100" b="0" dirty="0">
+                <a:latin typeface="+mn-lt"/>
+                <a:ea typeface="Calibri" panose="020F0502020204030204" pitchFamily="34" charset="0"/>
+              </a:rPr>
+              <a:t>I made checkpoint optional so that I can make system where player is more active in the game less in a menu when playing the game. With as goal to immerse the player.</a:t>
+            </a:r>
+          </a:p>
+          <a:p>
+            <a:pPr marL="0" lvl="0" indent="0" algn="l" rtl="0">
+              <a:spcBef>
+                <a:spcPts val="0"/>
+              </a:spcBef>
+              <a:spcAft>
+                <a:spcPts val="0"/>
+              </a:spcAft>
+            </a:pPr>
+            <a:endParaRPr lang="en-GB" sz="1100" b="0" dirty="0">
+              <a:latin typeface="+mn-lt"/>
+              <a:ea typeface="Calibri" panose="020F0502020204030204" pitchFamily="34" charset="0"/>
+            </a:endParaRPr>
+          </a:p>
+          <a:p>
+            <a:pPr marL="0" lvl="0" indent="0" algn="l" rtl="0">
+              <a:spcBef>
+                <a:spcPts val="0"/>
+              </a:spcBef>
+              <a:spcAft>
+                <a:spcPts val="0"/>
+              </a:spcAft>
+            </a:pPr>
+            <a:endParaRPr lang="en-GB" sz="1100" b="0" dirty="0">
               <a:latin typeface="+mn-lt"/>
               <a:ea typeface="Calibri" panose="020F0502020204030204" pitchFamily="34" charset="0"/>
             </a:endParaRPr>
@@ -17487,7 +18447,7 @@
           <a:p>
             <a:pPr marL="0" indent="0"/>
             <a:r>
-              <a:rPr lang="en-GB" b="0">
+              <a:rPr lang="en-GB" b="0" dirty="0">
                 <a:latin typeface="+mn-lt"/>
               </a:rPr>
               <a:t>Provide 1-2 short videos showing your game and some of its best parts.</a:t>
@@ -17496,14 +18456,14 @@
           <a:p>
             <a:pPr marL="0" indent="0"/>
             <a:r>
-              <a:rPr lang="en-GB" sz="1000" b="0" i="1">
+              <a:rPr lang="en-GB" sz="1000" b="0" i="1" dirty="0">
                 <a:latin typeface="+mn-lt"/>
                 <a:ea typeface="Calibri" panose="020F0502020204030204" pitchFamily="34" charset="0"/>
               </a:rPr>
               <a:t>When you embed an mp4 (video) here, keep it short (no longer than 30 seconds). Instructions on doing this can be found </a:t>
             </a:r>
             <a:r>
-              <a:rPr lang="en-GB" sz="1000" b="0" i="1">
+              <a:rPr lang="en-GB" sz="1000" b="0" i="1" dirty="0">
                 <a:latin typeface="+mn-lt"/>
                 <a:ea typeface="Calibri" panose="020F0502020204030204" pitchFamily="34" charset="0"/>
                 <a:hlinkClick r:id="rId3"/>
@@ -17511,7 +18471,7 @@
               <a:t>here</a:t>
             </a:r>
             <a:r>
-              <a:rPr lang="en-GB" sz="1000" b="0" i="1">
+              <a:rPr lang="en-GB" sz="1000" b="0" i="1" dirty="0">
                 <a:latin typeface="+mn-lt"/>
                 <a:ea typeface="Calibri" panose="020F0502020204030204" pitchFamily="34" charset="0"/>
               </a:rPr>
@@ -17520,7 +18480,7 @@
           </a:p>
           <a:p>
             <a:pPr marL="0" indent="0"/>
-            <a:endParaRPr lang="en-GB" sz="1600" b="0">
+            <a:endParaRPr lang="en-GB" sz="1600" b="0" dirty="0">
               <a:latin typeface="+mn-lt"/>
               <a:ea typeface="Calibri" panose="020F0502020204030204" pitchFamily="34" charset="0"/>
             </a:endParaRPr>
@@ -17628,7 +18588,7 @@
           <a:p>
             <a:pPr marL="0" indent="0"/>
             <a:r>
-              <a:rPr lang="en-GB" b="0">
+              <a:rPr lang="en-GB" b="0" dirty="0">
                 <a:latin typeface="+mn-lt"/>
               </a:rPr>
               <a:t>Provide short video(s) or picture(s) of play-tester(s) of the intended target audience playing your game.</a:t>
@@ -17637,14 +18597,14 @@
           <a:p>
             <a:pPr marL="0" indent="0"/>
             <a:r>
-              <a:rPr lang="en-GB" sz="1000" b="0" i="1">
+              <a:rPr lang="en-GB" sz="1000" b="0" i="1" dirty="0">
                 <a:latin typeface="+mn-lt"/>
                 <a:ea typeface="Calibri" panose="020F0502020204030204" pitchFamily="34" charset="0"/>
               </a:rPr>
               <a:t>When you embed an mp4 (video) here, keep it short (no longer than 30 seconds). Instructions on doing this can be found </a:t>
             </a:r>
             <a:r>
-              <a:rPr lang="en-GB" sz="1000" b="0" i="1">
+              <a:rPr lang="en-GB" sz="1000" b="0" i="1" dirty="0">
                 <a:latin typeface="+mn-lt"/>
                 <a:ea typeface="Calibri" panose="020F0502020204030204" pitchFamily="34" charset="0"/>
                 <a:hlinkClick r:id="rId3"/>
@@ -17652,7 +18612,7 @@
               <a:t>here</a:t>
             </a:r>
             <a:r>
-              <a:rPr lang="en-GB" sz="1000" b="0" i="1">
+              <a:rPr lang="en-GB" sz="1000" b="0" i="1" dirty="0">
                 <a:latin typeface="+mn-lt"/>
                 <a:ea typeface="Calibri" panose="020F0502020204030204" pitchFamily="34" charset="0"/>
               </a:rPr>
@@ -17661,7 +18621,7 @@
           </a:p>
           <a:p>
             <a:pPr marL="0" indent="0"/>
-            <a:endParaRPr lang="en-GB" sz="1600" b="0">
+            <a:endParaRPr lang="en-GB" sz="1600" b="0" dirty="0">
               <a:latin typeface="+mn-lt"/>
             </a:endParaRPr>
           </a:p>
@@ -17988,7 +18948,7 @@
           <a:p>
             <a:pPr marL="0" indent="0"/>
             <a:r>
-              <a:rPr lang="en-GB" b="0">
+              <a:rPr lang="en-GB" b="0" dirty="0">
                 <a:latin typeface="+mn-lt"/>
               </a:rPr>
               <a:t>Write down your 2-3 most important test results. </a:t>
@@ -17997,7 +18957,7 @@
           <a:p>
             <a:pPr marL="0" indent="0"/>
             <a:r>
-              <a:rPr lang="en-GB" sz="1000" b="0" i="0">
+              <a:rPr lang="en-GB" sz="1000" b="0" i="0" dirty="0">
                 <a:latin typeface="+mn-lt"/>
               </a:rPr>
               <a:t>Describe how you iterated on your game design and explain why the redesign improves the game experience. </a:t>
@@ -18005,13 +18965,55 @@
           </a:p>
           <a:p>
             <a:pPr marL="0" indent="0"/>
-            <a:endParaRPr lang="en-GB" sz="1200" b="0" i="0">
+            <a:endParaRPr lang="en-GB" sz="1000" b="0" dirty="0">
               <a:latin typeface="+mn-lt"/>
             </a:endParaRPr>
           </a:p>
           <a:p>
             <a:pPr marL="0" indent="0"/>
-            <a:endParaRPr lang="en-GB" sz="1600" b="0">
+            <a:r>
+              <a:rPr lang="en-GB" sz="1000" b="0" i="0" dirty="0">
+                <a:latin typeface="+mn-lt"/>
+              </a:rPr>
+              <a:t>I made a 3D model for the spike in the game because a few people jump on the red block that I used as spikes.</a:t>
+            </a:r>
+          </a:p>
+          <a:p>
+            <a:pPr marL="0" indent="0"/>
+            <a:endParaRPr lang="en-GB" sz="1000" b="0" dirty="0">
+              <a:latin typeface="+mn-lt"/>
+            </a:endParaRPr>
+          </a:p>
+          <a:p>
+            <a:pPr marL="0" indent="0"/>
+            <a:r>
+              <a:rPr lang="en-GB" sz="1000" b="0" i="0" dirty="0">
+                <a:latin typeface="+mn-lt"/>
+              </a:rPr>
+              <a:t>Floaty feel result</a:t>
+            </a:r>
+          </a:p>
+          <a:p>
+            <a:pPr marL="0" indent="0"/>
+            <a:endParaRPr lang="en-GB" sz="1000" b="0" dirty="0">
+              <a:latin typeface="+mn-lt"/>
+            </a:endParaRPr>
+          </a:p>
+          <a:p>
+            <a:pPr marL="0" indent="0"/>
+            <a:endParaRPr lang="en-GB" sz="1000" b="0" i="0" dirty="0">
+              <a:latin typeface="+mn-lt"/>
+            </a:endParaRPr>
+          </a:p>
+          <a:p>
+            <a:pPr marL="0" indent="0"/>
+            <a:endParaRPr lang="en-GB" sz="1200" b="0" i="0" dirty="0">
+              <a:latin typeface="+mn-lt"/>
+            </a:endParaRPr>
+          </a:p>
+          <a:p>
+            <a:pPr marL="0" indent="0"/>
+            <a:endParaRPr lang="en-GB" sz="1600" b="0" dirty="0">
               <a:latin typeface="+mn-lt"/>
             </a:endParaRPr>
           </a:p>
@@ -18118,7 +19120,7 @@
           <a:p>
             <a:pPr marL="0" indent="0"/>
             <a:r>
-              <a:rPr lang="en-GB" b="0">
+              <a:rPr lang="en-GB" b="0" dirty="0">
                 <a:latin typeface="+mn-lt"/>
               </a:rPr>
               <a:t>Provide 2-3 examples of before and after (short) videos on changes you made based on the test results. </a:t>
@@ -18127,14 +19129,14 @@
           <a:p>
             <a:pPr marL="0" indent="0"/>
             <a:r>
-              <a:rPr lang="en-GB" sz="1000" b="0" i="1">
+              <a:rPr lang="en-GB" sz="1000" b="0" i="1" dirty="0">
                 <a:latin typeface="+mn-lt"/>
                 <a:ea typeface="Calibri" panose="020F0502020204030204" pitchFamily="34" charset="0"/>
               </a:rPr>
               <a:t>When you embed an mp4 (video) here, keep it short (no longer than 30 seconds). Instructions on doing this can be found </a:t>
             </a:r>
             <a:r>
-              <a:rPr lang="en-GB" sz="1000" b="0" i="1">
+              <a:rPr lang="en-GB" sz="1000" b="0" i="1" dirty="0">
                 <a:latin typeface="+mn-lt"/>
                 <a:ea typeface="Calibri" panose="020F0502020204030204" pitchFamily="34" charset="0"/>
                 <a:hlinkClick r:id="rId3"/>
@@ -18142,7 +19144,7 @@
               <a:t>here</a:t>
             </a:r>
             <a:r>
-              <a:rPr lang="en-GB" sz="1000" b="0" i="1">
+              <a:rPr lang="en-GB" sz="1000" b="0" i="1" dirty="0">
                 <a:latin typeface="+mn-lt"/>
                 <a:ea typeface="Calibri" panose="020F0502020204030204" pitchFamily="34" charset="0"/>
               </a:rPr>
@@ -18292,19 +19294,19 @@
           <a:p>
             <a:pPr marL="0" indent="0"/>
             <a:r>
-              <a:rPr lang="en-US" b="0">
+              <a:rPr lang="en-US" b="0" dirty="0">
                 <a:latin typeface="+mn-lt"/>
               </a:rPr>
               <a:t>Please use this </a:t>
             </a:r>
             <a:r>
-              <a:rPr lang="en-GB" b="0">
+              <a:rPr lang="en-GB" b="0" dirty="0">
                 <a:latin typeface="+mn-lt"/>
               </a:rPr>
               <a:t>space</a:t>
             </a:r>
             <a:r>
-              <a:rPr lang="en-US" b="0">
+              <a:rPr lang="en-US" b="0" dirty="0">
                 <a:latin typeface="+mn-lt"/>
               </a:rPr>
               <a:t> to add examples of your best work from your portfolio, study or work history that are relevant to game development or the discipline you are applying for.</a:t>
@@ -18312,14 +19314,14 @@
           </a:p>
           <a:p>
             <a:pPr marL="0" indent="0"/>
-            <a:endParaRPr lang="en-US" b="0">
+            <a:endParaRPr lang="en-US" b="0" dirty="0">
               <a:latin typeface="+mn-lt"/>
             </a:endParaRPr>
           </a:p>
           <a:p>
             <a:pPr marL="0" indent="0"/>
             <a:r>
-              <a:rPr lang="en-US" b="0">
+              <a:rPr lang="en-US" b="0" dirty="0">
                 <a:latin typeface="+mn-lt"/>
               </a:rPr>
               <a:t>You may also include:</a:t>
@@ -18331,7 +19333,7 @@
               <a:buChar char="-"/>
             </a:pPr>
             <a:r>
-              <a:rPr lang="en-US" b="0">
+              <a:rPr lang="en-US" b="0" dirty="0">
                 <a:latin typeface="+mn-lt"/>
               </a:rPr>
               <a:t>A list of skills &amp; knowledge relevant to game development or becoming a successful student.</a:t>
@@ -18343,7 +19345,7 @@
               <a:buChar char="-"/>
             </a:pPr>
             <a:r>
-              <a:rPr lang="en-US" b="0">
+              <a:rPr lang="en-US" b="0" dirty="0">
                 <a:latin typeface="+mn-lt"/>
               </a:rPr>
               <a:t>Activities you currently do to prepare yourself for our study &amp; future in games development.</a:t>
@@ -18355,7 +19357,7 @@
               <a:buChar char="-"/>
             </a:pPr>
             <a:r>
-              <a:rPr lang="en-US" b="0">
+              <a:rPr lang="en-US" b="0" dirty="0">
                 <a:latin typeface="+mn-lt"/>
               </a:rPr>
               <a:t>Links to examples of your work or portfolio website (but most important information should be in this presentation).</a:t>
@@ -18363,14 +19365,14 @@
           </a:p>
           <a:p>
             <a:pPr marL="0" indent="0"/>
-            <a:endParaRPr lang="en-US" b="0">
+            <a:endParaRPr lang="en-US" b="0" dirty="0">
               <a:latin typeface="+mn-lt"/>
             </a:endParaRPr>
           </a:p>
           <a:p>
             <a:pPr marL="0" indent="0"/>
             <a:r>
-              <a:rPr lang="en-US" b="0">
+              <a:rPr lang="en-US" b="0" dirty="0">
                 <a:latin typeface="+mn-lt"/>
               </a:rPr>
               <a:t>Insert up to 5 slides here. Images are allowed with a maximum 150-200 words per slide.</a:t>

--- a/2023-24 CMGT Intake - Design and Production.pptx
+++ b/2023-24 CMGT Intake - Design and Production.pptx
@@ -5,7 +5,7 @@
     <p:sldMasterId id="2147483658" r:id="rId4"/>
   </p:sldMasterIdLst>
   <p:notesMasterIdLst>
-    <p:notesMasterId r:id="rId20"/>
+    <p:notesMasterId r:id="rId23"/>
   </p:notesMasterIdLst>
   <p:sldIdLst>
     <p:sldId id="365" r:id="rId5"/>
@@ -13,47 +13,50 @@
     <p:sldId id="325" r:id="rId7"/>
     <p:sldId id="366" r:id="rId8"/>
     <p:sldId id="346" r:id="rId9"/>
-    <p:sldId id="361" r:id="rId10"/>
-    <p:sldId id="344" r:id="rId11"/>
-    <p:sldId id="362" r:id="rId12"/>
-    <p:sldId id="339" r:id="rId13"/>
-    <p:sldId id="367" r:id="rId14"/>
-    <p:sldId id="368" r:id="rId15"/>
-    <p:sldId id="371" r:id="rId16"/>
-    <p:sldId id="370" r:id="rId17"/>
-    <p:sldId id="369" r:id="rId18"/>
-    <p:sldId id="353" r:id="rId19"/>
+    <p:sldId id="372" r:id="rId10"/>
+    <p:sldId id="373" r:id="rId11"/>
+    <p:sldId id="374" r:id="rId12"/>
+    <p:sldId id="361" r:id="rId13"/>
+    <p:sldId id="344" r:id="rId14"/>
+    <p:sldId id="362" r:id="rId15"/>
+    <p:sldId id="339" r:id="rId16"/>
+    <p:sldId id="367" r:id="rId17"/>
+    <p:sldId id="368" r:id="rId18"/>
+    <p:sldId id="371" r:id="rId19"/>
+    <p:sldId id="370" r:id="rId20"/>
+    <p:sldId id="369" r:id="rId21"/>
+    <p:sldId id="353" r:id="rId22"/>
   </p:sldIdLst>
   <p:sldSz cx="9144000" cy="5143500" type="screen16x9"/>
   <p:notesSz cx="6858000" cy="9144000"/>
   <p:embeddedFontLst>
     <p:embeddedFont>
       <p:font typeface="Proxima Nova" panose="020B0604020202020204" charset="0"/>
-      <p:regular r:id="rId21"/>
-      <p:bold r:id="rId22"/>
-      <p:italic r:id="rId23"/>
-      <p:boldItalic r:id="rId24"/>
+      <p:regular r:id="rId24"/>
+      <p:bold r:id="rId25"/>
+      <p:italic r:id="rId26"/>
+      <p:boldItalic r:id="rId27"/>
     </p:embeddedFont>
     <p:embeddedFont>
       <p:font typeface="Roboto" panose="02000000000000000000" pitchFamily="2" charset="0"/>
-      <p:regular r:id="rId25"/>
-      <p:bold r:id="rId26"/>
-      <p:italic r:id="rId27"/>
-      <p:boldItalic r:id="rId28"/>
+      <p:regular r:id="rId28"/>
+      <p:bold r:id="rId29"/>
+      <p:italic r:id="rId30"/>
+      <p:boldItalic r:id="rId31"/>
     </p:embeddedFont>
     <p:embeddedFont>
       <p:font typeface="Roboto Light" panose="02000000000000000000" pitchFamily="2" charset="0"/>
-      <p:regular r:id="rId29"/>
-      <p:bold r:id="rId30"/>
-      <p:italic r:id="rId31"/>
-      <p:boldItalic r:id="rId32"/>
+      <p:regular r:id="rId32"/>
+      <p:bold r:id="rId33"/>
+      <p:italic r:id="rId34"/>
+      <p:boldItalic r:id="rId35"/>
     </p:embeddedFont>
     <p:embeddedFont>
       <p:font typeface="Roboto Thin" panose="02000000000000000000" pitchFamily="2" charset="0"/>
-      <p:regular r:id="rId33"/>
-      <p:bold r:id="rId34"/>
-      <p:italic r:id="rId35"/>
-      <p:boldItalic r:id="rId36"/>
+      <p:regular r:id="rId36"/>
+      <p:bold r:id="rId37"/>
+      <p:italic r:id="rId38"/>
+      <p:boldItalic r:id="rId39"/>
     </p:embeddedFont>
   </p:embeddedFontLst>
   <p:defaultTextStyle>
@@ -15308,6 +15311,943 @@
   <p:cSld>
     <p:spTree>
       <p:nvGrpSpPr>
+        <p:cNvPr id="1" name="Shape 129"/>
+        <p:cNvGrpSpPr/>
+        <p:nvPr/>
+      </p:nvGrpSpPr>
+      <p:grpSpPr>
+        <a:xfrm>
+          <a:off x="0" y="0"/>
+          <a:ext cx="0" cy="0"/>
+          <a:chOff x="0" y="0"/>
+          <a:chExt cx="0" cy="0"/>
+        </a:xfrm>
+      </p:grpSpPr>
+      <p:sp>
+        <p:nvSpPr>
+          <p:cNvPr id="130" name="Google Shape;130;p17"/>
+          <p:cNvSpPr txBox="1">
+            <a:spLocks noGrp="1"/>
+          </p:cNvSpPr>
+          <p:nvPr>
+            <p:ph type="title"/>
+          </p:nvPr>
+        </p:nvSpPr>
+        <p:spPr>
+          <a:xfrm>
+            <a:off x="667504" y="0"/>
+            <a:ext cx="7920000" cy="572700"/>
+          </a:xfrm>
+          <a:prstGeom prst="rect">
+            <a:avLst/>
+          </a:prstGeom>
+        </p:spPr>
+        <p:txBody>
+          <a:bodyPr spcFirstLastPara="1" wrap="square" lIns="91425" tIns="91425" rIns="91425" bIns="91425" anchor="ctr" anchorCtr="0">
+            <a:noAutofit/>
+          </a:bodyPr>
+          <a:lstStyle/>
+          <a:p>
+            <a:pPr marL="0" lvl="0" indent="0" rtl="0">
+              <a:spcBef>
+                <a:spcPts val="0"/>
+              </a:spcBef>
+              <a:spcAft>
+                <a:spcPts val="0"/>
+              </a:spcAft>
+              <a:buNone/>
+            </a:pPr>
+            <a:r>
+              <a:rPr lang="en-US" b="1">
+                <a:latin typeface="Roboto"/>
+                <a:ea typeface="Roboto"/>
+              </a:rPr>
+              <a:t>(A4) Design and Production Assignment - Testing and Iterating</a:t>
+            </a:r>
+          </a:p>
+        </p:txBody>
+      </p:sp>
+      <p:sp>
+        <p:nvSpPr>
+          <p:cNvPr id="133" name="Google Shape;133;p17"/>
+          <p:cNvSpPr txBox="1">
+            <a:spLocks noGrp="1"/>
+          </p:cNvSpPr>
+          <p:nvPr>
+            <p:ph type="subTitle" idx="1"/>
+          </p:nvPr>
+        </p:nvSpPr>
+        <p:spPr>
+          <a:xfrm>
+            <a:off x="60623" y="667476"/>
+            <a:ext cx="9017702" cy="2235014"/>
+          </a:xfrm>
+          <a:prstGeom prst="rect">
+            <a:avLst/>
+          </a:prstGeom>
+        </p:spPr>
+        <p:txBody>
+          <a:bodyPr spcFirstLastPara="1" wrap="square" lIns="91425" tIns="91425" rIns="91425" bIns="91425" anchor="t" anchorCtr="0">
+            <a:noAutofit/>
+          </a:bodyPr>
+          <a:lstStyle/>
+          <a:p>
+            <a:pPr marL="0" indent="0"/>
+            <a:r>
+              <a:rPr lang="en-GB" b="0" dirty="0">
+                <a:latin typeface="+mn-lt"/>
+              </a:rPr>
+              <a:t>Provide short video(s) or picture(s) of play-tester(s) of the intended target audience playing your game.</a:t>
+            </a:r>
+          </a:p>
+          <a:p>
+            <a:pPr marL="0" indent="0"/>
+            <a:r>
+              <a:rPr lang="en-GB" sz="1000" b="0" i="1" dirty="0">
+                <a:latin typeface="+mn-lt"/>
+                <a:ea typeface="Calibri" panose="020F0502020204030204" pitchFamily="34" charset="0"/>
+              </a:rPr>
+              <a:t>When you embed an mp4 (video) here, keep it short (no longer than 30 seconds). Instructions on doing this can be found </a:t>
+            </a:r>
+            <a:r>
+              <a:rPr lang="en-GB" sz="1000" b="0" i="1" dirty="0">
+                <a:latin typeface="+mn-lt"/>
+                <a:ea typeface="Calibri" panose="020F0502020204030204" pitchFamily="34" charset="0"/>
+                <a:hlinkClick r:id="rId3"/>
+              </a:rPr>
+              <a:t>here</a:t>
+            </a:r>
+            <a:r>
+              <a:rPr lang="en-GB" sz="1000" b="0" i="1" dirty="0">
+                <a:latin typeface="+mn-lt"/>
+                <a:ea typeface="Calibri" panose="020F0502020204030204" pitchFamily="34" charset="0"/>
+              </a:rPr>
+              <a:t>. Add one sentence per video/image describing what the video/image is about. </a:t>
+            </a:r>
+          </a:p>
+          <a:p>
+            <a:pPr marL="0" indent="0"/>
+            <a:endParaRPr lang="en-GB" sz="1600" b="0" dirty="0">
+              <a:latin typeface="+mn-lt"/>
+            </a:endParaRPr>
+          </a:p>
+        </p:txBody>
+      </p:sp>
+      <p:sp>
+        <p:nvSpPr>
+          <p:cNvPr id="132" name="Google Shape;132;p17"/>
+          <p:cNvSpPr txBox="1">
+            <a:spLocks noGrp="1"/>
+          </p:cNvSpPr>
+          <p:nvPr>
+            <p:ph type="title" idx="4"/>
+          </p:nvPr>
+        </p:nvSpPr>
+        <p:spPr>
+          <a:prstGeom prst="rect">
+            <a:avLst/>
+          </a:prstGeom>
+        </p:spPr>
+        <p:txBody>
+          <a:bodyPr spcFirstLastPara="1" wrap="square" lIns="91425" tIns="91425" rIns="91425" bIns="91425" anchor="ctr" anchorCtr="0">
+            <a:noAutofit/>
+          </a:bodyPr>
+          <a:lstStyle/>
+          <a:p>
+            <a:pPr marL="0" lvl="0" indent="0" algn="ctr" rtl="0">
+              <a:spcBef>
+                <a:spcPts val="0"/>
+              </a:spcBef>
+              <a:spcAft>
+                <a:spcPts val="0"/>
+              </a:spcAft>
+              <a:buNone/>
+            </a:pPr>
+            <a:r>
+              <a:rPr lang="en">
+                <a:latin typeface="Roboto" panose="02000000000000000000" pitchFamily="2" charset="0"/>
+                <a:ea typeface="Roboto" panose="02000000000000000000" pitchFamily="2" charset="0"/>
+              </a:rPr>
+              <a:t>A</a:t>
+            </a:r>
+          </a:p>
+        </p:txBody>
+      </p:sp>
+      <p:sp>
+        <p:nvSpPr>
+          <p:cNvPr id="2" name="Google Shape;133;p17">
+            <a:extLst>
+              <a:ext uri="{FF2B5EF4-FFF2-40B4-BE49-F238E27FC236}">
+                <a16:creationId xmlns:a16="http://schemas.microsoft.com/office/drawing/2014/main" id="{A1D8FEA5-0A98-0124-ED32-B51EF494C835}"/>
+              </a:ext>
+            </a:extLst>
+          </p:cNvPr>
+          <p:cNvSpPr txBox="1">
+            <a:spLocks/>
+          </p:cNvSpPr>
+          <p:nvPr/>
+        </p:nvSpPr>
+        <p:spPr>
+          <a:xfrm>
+            <a:off x="60623" y="3106939"/>
+            <a:ext cx="9017702" cy="1929840"/>
+          </a:xfrm>
+          <a:prstGeom prst="rect">
+            <a:avLst/>
+          </a:prstGeom>
+          <a:noFill/>
+          <a:ln>
+            <a:noFill/>
+          </a:ln>
+        </p:spPr>
+        <p:txBody>
+          <a:bodyPr spcFirstLastPara="1" wrap="square" lIns="91425" tIns="91425" rIns="91425" bIns="91425" anchor="t" anchorCtr="0">
+            <a:noAutofit/>
+          </a:bodyPr>
+          <a:lstStyle>
+            <a:defPPr marR="0" lvl="0" algn="l" rtl="0">
+              <a:lnSpc>
+                <a:spcPct val="100000"/>
+              </a:lnSpc>
+              <a:spcBef>
+                <a:spcPts val="0"/>
+              </a:spcBef>
+              <a:spcAft>
+                <a:spcPts val="0"/>
+              </a:spcAft>
+            </a:defPPr>
+            <a:lvl1pPr marL="457200" marR="0" lvl="0" indent="-292100" algn="l" rtl="0">
+              <a:lnSpc>
+                <a:spcPct val="104000"/>
+              </a:lnSpc>
+              <a:spcBef>
+                <a:spcPts val="0"/>
+              </a:spcBef>
+              <a:spcAft>
+                <a:spcPts val="0"/>
+              </a:spcAft>
+              <a:buClr>
+                <a:srgbClr val="FFFFFF"/>
+              </a:buClr>
+              <a:buSzPts val="1000"/>
+              <a:buFont typeface="Roboto"/>
+              <a:buNone/>
+              <a:defRPr sz="1400" b="1" i="0" u="none" strike="noStrike" cap="none">
+                <a:solidFill>
+                  <a:srgbClr val="FFFFFF"/>
+                </a:solidFill>
+                <a:latin typeface="Roboto"/>
+                <a:ea typeface="Roboto"/>
+                <a:cs typeface="Roboto"/>
+                <a:sym typeface="Roboto"/>
+              </a:defRPr>
+            </a:lvl1pPr>
+            <a:lvl2pPr marL="914400" marR="0" lvl="1" indent="-292100" algn="l" rtl="0">
+              <a:lnSpc>
+                <a:spcPct val="104000"/>
+              </a:lnSpc>
+              <a:spcBef>
+                <a:spcPts val="800"/>
+              </a:spcBef>
+              <a:spcAft>
+                <a:spcPts val="0"/>
+              </a:spcAft>
+              <a:buClr>
+                <a:srgbClr val="FFFFFF"/>
+              </a:buClr>
+              <a:buSzPts val="1000"/>
+              <a:buFont typeface="Roboto"/>
+              <a:buNone/>
+              <a:defRPr sz="1000" b="0" i="1" u="none" strike="noStrike" cap="none">
+                <a:solidFill>
+                  <a:srgbClr val="FFFFFF"/>
+                </a:solidFill>
+                <a:latin typeface="Roboto"/>
+                <a:ea typeface="Roboto"/>
+                <a:cs typeface="Roboto"/>
+                <a:sym typeface="Roboto"/>
+              </a:defRPr>
+            </a:lvl2pPr>
+            <a:lvl3pPr marL="1371600" marR="0" lvl="2" indent="-292100" algn="l" rtl="0">
+              <a:lnSpc>
+                <a:spcPct val="104000"/>
+              </a:lnSpc>
+              <a:spcBef>
+                <a:spcPts val="800"/>
+              </a:spcBef>
+              <a:spcAft>
+                <a:spcPts val="0"/>
+              </a:spcAft>
+              <a:buClr>
+                <a:srgbClr val="FFFFFF"/>
+              </a:buClr>
+              <a:buSzPts val="1000"/>
+              <a:buFont typeface="Roboto"/>
+              <a:buNone/>
+              <a:defRPr sz="1000" b="0" i="0" u="sng" strike="noStrike" cap="none">
+                <a:solidFill>
+                  <a:srgbClr val="FFFFFF"/>
+                </a:solidFill>
+                <a:latin typeface="Roboto"/>
+                <a:ea typeface="Roboto"/>
+                <a:cs typeface="Roboto"/>
+                <a:sym typeface="Roboto"/>
+              </a:defRPr>
+            </a:lvl3pPr>
+            <a:lvl4pPr marL="1828800" marR="0" lvl="3" indent="-292100" algn="l" rtl="0">
+              <a:lnSpc>
+                <a:spcPct val="104000"/>
+              </a:lnSpc>
+              <a:spcBef>
+                <a:spcPts val="800"/>
+              </a:spcBef>
+              <a:spcAft>
+                <a:spcPts val="0"/>
+              </a:spcAft>
+              <a:buClr>
+                <a:srgbClr val="FFFFFF"/>
+              </a:buClr>
+              <a:buSzPts val="1000"/>
+              <a:buFont typeface="Roboto"/>
+              <a:buNone/>
+              <a:defRPr sz="1000" b="0" i="0" u="none" strike="noStrike" cap="none">
+                <a:solidFill>
+                  <a:srgbClr val="FFFFFF"/>
+                </a:solidFill>
+                <a:latin typeface="Roboto"/>
+                <a:ea typeface="Roboto"/>
+                <a:cs typeface="Roboto"/>
+                <a:sym typeface="Roboto"/>
+              </a:defRPr>
+            </a:lvl4pPr>
+            <a:lvl5pPr marL="2286000" marR="0" lvl="4" indent="-292100" algn="l" rtl="0">
+              <a:lnSpc>
+                <a:spcPct val="104000"/>
+              </a:lnSpc>
+              <a:spcBef>
+                <a:spcPts val="800"/>
+              </a:spcBef>
+              <a:spcAft>
+                <a:spcPts val="0"/>
+              </a:spcAft>
+              <a:buClr>
+                <a:srgbClr val="FFFFFF"/>
+              </a:buClr>
+              <a:buSzPts val="1000"/>
+              <a:buFont typeface="Roboto"/>
+              <a:buNone/>
+              <a:defRPr sz="1000" b="0" i="1" u="none" strike="noStrike" cap="none">
+                <a:solidFill>
+                  <a:srgbClr val="FFFFFF"/>
+                </a:solidFill>
+                <a:latin typeface="Roboto"/>
+                <a:ea typeface="Roboto"/>
+                <a:cs typeface="Roboto"/>
+                <a:sym typeface="Roboto"/>
+              </a:defRPr>
+            </a:lvl5pPr>
+            <a:lvl6pPr marL="2743200" marR="0" lvl="5" indent="-292100" algn="l" rtl="0">
+              <a:lnSpc>
+                <a:spcPct val="104000"/>
+              </a:lnSpc>
+              <a:spcBef>
+                <a:spcPts val="800"/>
+              </a:spcBef>
+              <a:spcAft>
+                <a:spcPts val="0"/>
+              </a:spcAft>
+              <a:buClr>
+                <a:srgbClr val="FFFFFF"/>
+              </a:buClr>
+              <a:buSzPts val="1000"/>
+              <a:buFont typeface="Roboto"/>
+              <a:buNone/>
+              <a:defRPr sz="1000" b="0" i="0" u="sng" strike="noStrike" cap="none">
+                <a:solidFill>
+                  <a:srgbClr val="FFFFFF"/>
+                </a:solidFill>
+                <a:latin typeface="Roboto"/>
+                <a:ea typeface="Roboto"/>
+                <a:cs typeface="Roboto"/>
+                <a:sym typeface="Roboto"/>
+              </a:defRPr>
+            </a:lvl6pPr>
+            <a:lvl7pPr marL="3200400" marR="0" lvl="6" indent="-292100" algn="l" rtl="0">
+              <a:lnSpc>
+                <a:spcPct val="104000"/>
+              </a:lnSpc>
+              <a:spcBef>
+                <a:spcPts val="800"/>
+              </a:spcBef>
+              <a:spcAft>
+                <a:spcPts val="0"/>
+              </a:spcAft>
+              <a:buClr>
+                <a:srgbClr val="FFFFFF"/>
+              </a:buClr>
+              <a:buSzPts val="1000"/>
+              <a:buFont typeface="Roboto"/>
+              <a:buNone/>
+              <a:defRPr sz="1000" b="0" i="0" u="none" strike="noStrike" cap="none">
+                <a:solidFill>
+                  <a:srgbClr val="FFFFFF"/>
+                </a:solidFill>
+                <a:latin typeface="Roboto"/>
+                <a:ea typeface="Roboto"/>
+                <a:cs typeface="Roboto"/>
+                <a:sym typeface="Roboto"/>
+              </a:defRPr>
+            </a:lvl7pPr>
+            <a:lvl8pPr marL="3657600" marR="0" lvl="7" indent="-292100" algn="l" rtl="0">
+              <a:lnSpc>
+                <a:spcPct val="104000"/>
+              </a:lnSpc>
+              <a:spcBef>
+                <a:spcPts val="800"/>
+              </a:spcBef>
+              <a:spcAft>
+                <a:spcPts val="0"/>
+              </a:spcAft>
+              <a:buClr>
+                <a:srgbClr val="FFFFFF"/>
+              </a:buClr>
+              <a:buSzPts val="1000"/>
+              <a:buFont typeface="Roboto"/>
+              <a:buNone/>
+              <a:defRPr sz="1000" b="0" i="1" u="none" strike="noStrike" cap="none">
+                <a:solidFill>
+                  <a:srgbClr val="FFFFFF"/>
+                </a:solidFill>
+                <a:latin typeface="Roboto"/>
+                <a:ea typeface="Roboto"/>
+                <a:cs typeface="Roboto"/>
+                <a:sym typeface="Roboto"/>
+              </a:defRPr>
+            </a:lvl8pPr>
+            <a:lvl9pPr marL="4114800" marR="0" lvl="8" indent="-292100" algn="l" rtl="0">
+              <a:lnSpc>
+                <a:spcPct val="104000"/>
+              </a:lnSpc>
+              <a:spcBef>
+                <a:spcPts val="800"/>
+              </a:spcBef>
+              <a:spcAft>
+                <a:spcPts val="800"/>
+              </a:spcAft>
+              <a:buClr>
+                <a:srgbClr val="FFFFFF"/>
+              </a:buClr>
+              <a:buSzPts val="1000"/>
+              <a:buFont typeface="Roboto"/>
+              <a:buNone/>
+              <a:defRPr sz="1000" b="0" i="0" u="sng" strike="noStrike" cap="none">
+                <a:solidFill>
+                  <a:srgbClr val="FFFFFF"/>
+                </a:solidFill>
+                <a:latin typeface="Roboto"/>
+                <a:ea typeface="Roboto"/>
+                <a:cs typeface="Roboto"/>
+                <a:sym typeface="Roboto"/>
+              </a:defRPr>
+            </a:lvl9pPr>
+          </a:lstStyle>
+          <a:p>
+            <a:pPr marL="0" indent="0"/>
+            <a:r>
+              <a:rPr lang="en-GB" b="0" dirty="0">
+                <a:latin typeface="+mn-lt"/>
+              </a:rPr>
+              <a:t>Write down your 2-3 most important test results. </a:t>
+            </a:r>
+          </a:p>
+          <a:p>
+            <a:pPr marL="0" indent="0"/>
+            <a:r>
+              <a:rPr lang="en-GB" sz="1000" b="0" i="0" dirty="0">
+                <a:latin typeface="+mn-lt"/>
+              </a:rPr>
+              <a:t>Describe how you iterated on your game design and explain why the redesign improves the game experience. </a:t>
+            </a:r>
+          </a:p>
+          <a:p>
+            <a:pPr marL="0" indent="0"/>
+            <a:endParaRPr lang="en-GB" sz="1000" b="0" dirty="0">
+              <a:latin typeface="+mn-lt"/>
+            </a:endParaRPr>
+          </a:p>
+          <a:p>
+            <a:pPr marL="0" indent="0"/>
+            <a:r>
+              <a:rPr lang="en-GB" sz="1000" b="0" i="0" dirty="0">
+                <a:latin typeface="+mn-lt"/>
+              </a:rPr>
+              <a:t>I made a 3D model for the spike in the game because a few people jump on the red block that I used as spikes.</a:t>
+            </a:r>
+          </a:p>
+          <a:p>
+            <a:pPr marL="0" indent="0"/>
+            <a:endParaRPr lang="en-GB" sz="1000" b="0" dirty="0">
+              <a:latin typeface="+mn-lt"/>
+            </a:endParaRPr>
+          </a:p>
+          <a:p>
+            <a:pPr marL="0" indent="0"/>
+            <a:r>
+              <a:rPr lang="en-GB" sz="1000" b="0" i="0" dirty="0">
+                <a:latin typeface="+mn-lt"/>
+              </a:rPr>
+              <a:t>Floaty feel result</a:t>
+            </a:r>
+          </a:p>
+          <a:p>
+            <a:pPr marL="0" indent="0"/>
+            <a:endParaRPr lang="en-GB" sz="1000" b="0" dirty="0">
+              <a:latin typeface="+mn-lt"/>
+            </a:endParaRPr>
+          </a:p>
+          <a:p>
+            <a:pPr marL="0" indent="0"/>
+            <a:endParaRPr lang="en-GB" sz="1000" b="0" i="0" dirty="0">
+              <a:latin typeface="+mn-lt"/>
+            </a:endParaRPr>
+          </a:p>
+          <a:p>
+            <a:pPr marL="0" indent="0"/>
+            <a:endParaRPr lang="en-GB" sz="1200" b="0" i="0" dirty="0">
+              <a:latin typeface="+mn-lt"/>
+            </a:endParaRPr>
+          </a:p>
+          <a:p>
+            <a:pPr marL="0" indent="0"/>
+            <a:endParaRPr lang="en-GB" sz="1600" b="0" dirty="0">
+              <a:latin typeface="+mn-lt"/>
+            </a:endParaRPr>
+          </a:p>
+        </p:txBody>
+      </p:sp>
+    </p:spTree>
+    <p:extLst>
+      <p:ext uri="{BB962C8B-B14F-4D97-AF65-F5344CB8AC3E}">
+        <p14:creationId xmlns:p14="http://schemas.microsoft.com/office/powerpoint/2010/main" val="3689754943"/>
+      </p:ext>
+    </p:extLst>
+  </p:cSld>
+  <p:clrMapOvr>
+    <a:masterClrMapping/>
+  </p:clrMapOvr>
+</p:sld>
+</file>
+
+<file path=ppt/slides/slide11.xml><?xml version="1.0" encoding="utf-8"?>
+<p:sld xmlns:a="http://schemas.openxmlformats.org/drawingml/2006/main" xmlns:r="http://schemas.openxmlformats.org/officeDocument/2006/relationships" xmlns:p="http://schemas.openxmlformats.org/presentationml/2006/main">
+  <p:cSld>
+    <p:spTree>
+      <p:nvGrpSpPr>
+        <p:cNvPr id="1" name="Shape 129"/>
+        <p:cNvGrpSpPr/>
+        <p:nvPr/>
+      </p:nvGrpSpPr>
+      <p:grpSpPr>
+        <a:xfrm>
+          <a:off x="0" y="0"/>
+          <a:ext cx="0" cy="0"/>
+          <a:chOff x="0" y="0"/>
+          <a:chExt cx="0" cy="0"/>
+        </a:xfrm>
+      </p:grpSpPr>
+      <p:sp>
+        <p:nvSpPr>
+          <p:cNvPr id="130" name="Google Shape;130;p17"/>
+          <p:cNvSpPr txBox="1">
+            <a:spLocks noGrp="1"/>
+          </p:cNvSpPr>
+          <p:nvPr>
+            <p:ph type="title"/>
+          </p:nvPr>
+        </p:nvSpPr>
+        <p:spPr>
+          <a:xfrm>
+            <a:off x="667504" y="0"/>
+            <a:ext cx="7920000" cy="572700"/>
+          </a:xfrm>
+          <a:prstGeom prst="rect">
+            <a:avLst/>
+          </a:prstGeom>
+        </p:spPr>
+        <p:txBody>
+          <a:bodyPr spcFirstLastPara="1" wrap="square" lIns="91425" tIns="91425" rIns="91425" bIns="91425" anchor="ctr" anchorCtr="0">
+            <a:noAutofit/>
+          </a:bodyPr>
+          <a:lstStyle/>
+          <a:p>
+            <a:pPr marL="0" lvl="0" indent="0" rtl="0">
+              <a:spcBef>
+                <a:spcPts val="0"/>
+              </a:spcBef>
+              <a:spcAft>
+                <a:spcPts val="0"/>
+              </a:spcAft>
+              <a:buNone/>
+            </a:pPr>
+            <a:r>
+              <a:rPr lang="en-US" b="1">
+                <a:latin typeface="Roboto"/>
+                <a:ea typeface="Roboto"/>
+              </a:rPr>
+              <a:t>(A5) Design and Production Assignment - Testing and Iterating</a:t>
+            </a:r>
+          </a:p>
+        </p:txBody>
+      </p:sp>
+      <p:sp>
+        <p:nvSpPr>
+          <p:cNvPr id="133" name="Google Shape;133;p17"/>
+          <p:cNvSpPr txBox="1">
+            <a:spLocks noGrp="1"/>
+          </p:cNvSpPr>
+          <p:nvPr>
+            <p:ph type="subTitle" idx="1"/>
+          </p:nvPr>
+        </p:nvSpPr>
+        <p:spPr>
+          <a:xfrm>
+            <a:off x="50519" y="667476"/>
+            <a:ext cx="9022754" cy="4320000"/>
+          </a:xfrm>
+          <a:prstGeom prst="rect">
+            <a:avLst/>
+          </a:prstGeom>
+        </p:spPr>
+        <p:txBody>
+          <a:bodyPr spcFirstLastPara="1" wrap="square" lIns="91425" tIns="91425" rIns="91425" bIns="91425" anchor="t" anchorCtr="0">
+            <a:noAutofit/>
+          </a:bodyPr>
+          <a:lstStyle/>
+          <a:p>
+            <a:pPr marL="0" indent="0"/>
+            <a:r>
+              <a:rPr lang="en-GB" b="0" dirty="0">
+                <a:latin typeface="+mn-lt"/>
+              </a:rPr>
+              <a:t>Provide 2-3 examples of before and after (short) videos on changes you made based on the test results. </a:t>
+            </a:r>
+          </a:p>
+          <a:p>
+            <a:pPr marL="0" indent="0"/>
+            <a:r>
+              <a:rPr lang="en-GB" sz="1000" b="0" i="1" dirty="0">
+                <a:latin typeface="+mn-lt"/>
+                <a:ea typeface="Calibri" panose="020F0502020204030204" pitchFamily="34" charset="0"/>
+              </a:rPr>
+              <a:t>When you embed an mp4 (video) here, keep it short (no longer than 30 seconds). Instructions on doing this can be found </a:t>
+            </a:r>
+            <a:r>
+              <a:rPr lang="en-GB" sz="1000" b="0" i="1" dirty="0">
+                <a:latin typeface="+mn-lt"/>
+                <a:ea typeface="Calibri" panose="020F0502020204030204" pitchFamily="34" charset="0"/>
+                <a:hlinkClick r:id="rId3"/>
+              </a:rPr>
+              <a:t>here</a:t>
+            </a:r>
+            <a:r>
+              <a:rPr lang="en-GB" sz="1000" b="0" i="1" dirty="0">
+                <a:latin typeface="+mn-lt"/>
+                <a:ea typeface="Calibri" panose="020F0502020204030204" pitchFamily="34" charset="0"/>
+              </a:rPr>
+              <a:t>. Add one sentence per video/image describing what the video/image is about. </a:t>
+            </a:r>
+          </a:p>
+        </p:txBody>
+      </p:sp>
+      <p:sp>
+        <p:nvSpPr>
+          <p:cNvPr id="132" name="Google Shape;132;p17"/>
+          <p:cNvSpPr txBox="1">
+            <a:spLocks noGrp="1"/>
+          </p:cNvSpPr>
+          <p:nvPr>
+            <p:ph type="title" idx="4"/>
+          </p:nvPr>
+        </p:nvSpPr>
+        <p:spPr>
+          <a:prstGeom prst="rect">
+            <a:avLst/>
+          </a:prstGeom>
+        </p:spPr>
+        <p:txBody>
+          <a:bodyPr spcFirstLastPara="1" wrap="square" lIns="91425" tIns="91425" rIns="91425" bIns="91425" anchor="ctr" anchorCtr="0">
+            <a:noAutofit/>
+          </a:bodyPr>
+          <a:lstStyle/>
+          <a:p>
+            <a:pPr marL="0" lvl="0" indent="0" algn="ctr" rtl="0">
+              <a:spcBef>
+                <a:spcPts val="0"/>
+              </a:spcBef>
+              <a:spcAft>
+                <a:spcPts val="0"/>
+              </a:spcAft>
+              <a:buNone/>
+            </a:pPr>
+            <a:r>
+              <a:rPr lang="en">
+                <a:latin typeface="Roboto" panose="02000000000000000000" pitchFamily="2" charset="0"/>
+                <a:ea typeface="Roboto" panose="02000000000000000000" pitchFamily="2" charset="0"/>
+              </a:rPr>
+              <a:t>A</a:t>
+            </a:r>
+          </a:p>
+        </p:txBody>
+      </p:sp>
+    </p:spTree>
+    <p:extLst>
+      <p:ext uri="{BB962C8B-B14F-4D97-AF65-F5344CB8AC3E}">
+        <p14:creationId xmlns:p14="http://schemas.microsoft.com/office/powerpoint/2010/main" val="1370208105"/>
+      </p:ext>
+    </p:extLst>
+  </p:cSld>
+  <p:clrMapOvr>
+    <a:masterClrMapping/>
+  </p:clrMapOvr>
+</p:sld>
+</file>
+
+<file path=ppt/slides/slide12.xml><?xml version="1.0" encoding="utf-8"?>
+<p:sld xmlns:a="http://schemas.openxmlformats.org/drawingml/2006/main" xmlns:r="http://schemas.openxmlformats.org/officeDocument/2006/relationships" xmlns:p="http://schemas.openxmlformats.org/presentationml/2006/main">
+  <p:cSld>
+    <p:spTree>
+      <p:nvGrpSpPr>
+        <p:cNvPr id="1" name="Shape 129"/>
+        <p:cNvGrpSpPr/>
+        <p:nvPr/>
+      </p:nvGrpSpPr>
+      <p:grpSpPr>
+        <a:xfrm>
+          <a:off x="0" y="0"/>
+          <a:ext cx="0" cy="0"/>
+          <a:chOff x="0" y="0"/>
+          <a:chExt cx="0" cy="0"/>
+        </a:xfrm>
+      </p:grpSpPr>
+      <p:sp>
+        <p:nvSpPr>
+          <p:cNvPr id="130" name="Google Shape;130;p17"/>
+          <p:cNvSpPr txBox="1">
+            <a:spLocks noGrp="1"/>
+          </p:cNvSpPr>
+          <p:nvPr>
+            <p:ph type="title"/>
+          </p:nvPr>
+        </p:nvSpPr>
+        <p:spPr>
+          <a:xfrm>
+            <a:off x="667504" y="0"/>
+            <a:ext cx="7920000" cy="572700"/>
+          </a:xfrm>
+          <a:prstGeom prst="rect">
+            <a:avLst/>
+          </a:prstGeom>
+        </p:spPr>
+        <p:txBody>
+          <a:bodyPr spcFirstLastPara="1" wrap="square" lIns="91425" tIns="91425" rIns="91425" bIns="91425" anchor="ctr" anchorCtr="0">
+            <a:noAutofit/>
+          </a:bodyPr>
+          <a:lstStyle/>
+          <a:p>
+            <a:pPr marL="0" lvl="0" indent="0" rtl="0">
+              <a:spcBef>
+                <a:spcPts val="0"/>
+              </a:spcBef>
+              <a:spcAft>
+                <a:spcPts val="0"/>
+              </a:spcAft>
+              <a:buNone/>
+            </a:pPr>
+            <a:r>
+              <a:rPr lang="en-GB" b="1">
+                <a:latin typeface="Roboto"/>
+                <a:ea typeface="Roboto"/>
+              </a:rPr>
+              <a:t>(A6) Relevant Portfolio, Skills &amp; Knowledge</a:t>
+            </a:r>
+          </a:p>
+        </p:txBody>
+      </p:sp>
+      <p:sp>
+        <p:nvSpPr>
+          <p:cNvPr id="133" name="Google Shape;133;p17"/>
+          <p:cNvSpPr txBox="1">
+            <a:spLocks noGrp="1"/>
+          </p:cNvSpPr>
+          <p:nvPr>
+            <p:ph type="subTitle" idx="1"/>
+          </p:nvPr>
+        </p:nvSpPr>
+        <p:spPr>
+          <a:xfrm>
+            <a:off x="182875" y="667476"/>
+            <a:ext cx="8778300" cy="4320000"/>
+          </a:xfrm>
+          <a:prstGeom prst="rect">
+            <a:avLst/>
+          </a:prstGeom>
+        </p:spPr>
+        <p:txBody>
+          <a:bodyPr spcFirstLastPara="1" wrap="square" lIns="91425" tIns="91425" rIns="91425" bIns="91425" anchor="t" anchorCtr="0">
+            <a:noAutofit/>
+          </a:bodyPr>
+          <a:lstStyle/>
+          <a:p>
+            <a:pPr marL="0" indent="0"/>
+            <a:r>
+              <a:rPr lang="en-US" b="0" dirty="0">
+                <a:latin typeface="+mn-lt"/>
+              </a:rPr>
+              <a:t>Please use this </a:t>
+            </a:r>
+            <a:r>
+              <a:rPr lang="en-GB" b="0" dirty="0">
+                <a:latin typeface="+mn-lt"/>
+              </a:rPr>
+              <a:t>space</a:t>
+            </a:r>
+            <a:r>
+              <a:rPr lang="en-US" b="0" dirty="0">
+                <a:latin typeface="+mn-lt"/>
+              </a:rPr>
+              <a:t> to add examples of your best work from your portfolio, study or work history that are relevant to game development or the discipline you are applying for.</a:t>
+            </a:r>
+          </a:p>
+          <a:p>
+            <a:pPr marL="0" indent="0"/>
+            <a:endParaRPr lang="en-US" b="0" dirty="0">
+              <a:latin typeface="+mn-lt"/>
+            </a:endParaRPr>
+          </a:p>
+          <a:p>
+            <a:pPr marL="0" indent="0"/>
+            <a:r>
+              <a:rPr lang="en-US" b="0" dirty="0">
+                <a:latin typeface="+mn-lt"/>
+              </a:rPr>
+              <a:t>You may also include:</a:t>
+            </a:r>
+          </a:p>
+          <a:p>
+            <a:pPr marL="285750" indent="-285750">
+              <a:buFontTx/>
+              <a:buChar char="-"/>
+            </a:pPr>
+            <a:r>
+              <a:rPr lang="en-US" b="0" dirty="0">
+                <a:latin typeface="+mn-lt"/>
+              </a:rPr>
+              <a:t>A list of skills &amp; knowledge relevant to game development or becoming a successful student.</a:t>
+            </a:r>
+          </a:p>
+          <a:p>
+            <a:pPr marL="285750" indent="-285750">
+              <a:buFontTx/>
+              <a:buChar char="-"/>
+            </a:pPr>
+            <a:r>
+              <a:rPr lang="en-US" b="0" dirty="0">
+                <a:latin typeface="+mn-lt"/>
+              </a:rPr>
+              <a:t>Activities you currently do to prepare yourself for our study &amp; future in games development.</a:t>
+            </a:r>
+          </a:p>
+          <a:p>
+            <a:pPr marL="285750" indent="-285750">
+              <a:buFontTx/>
+              <a:buChar char="-"/>
+            </a:pPr>
+            <a:r>
+              <a:rPr lang="en-US" b="0" dirty="0">
+                <a:latin typeface="+mn-lt"/>
+              </a:rPr>
+              <a:t>Links to examples of your work or portfolio website (but most important information should be in this presentation).</a:t>
+            </a:r>
+          </a:p>
+          <a:p>
+            <a:pPr marL="0" indent="0"/>
+            <a:endParaRPr lang="en-US" b="0" dirty="0">
+              <a:latin typeface="+mn-lt"/>
+            </a:endParaRPr>
+          </a:p>
+          <a:p>
+            <a:pPr marL="0" indent="0"/>
+            <a:r>
+              <a:rPr lang="en-US" b="0" dirty="0">
+                <a:latin typeface="+mn-lt"/>
+              </a:rPr>
+              <a:t>Insert up to 5 slides here. Images are allowed with a maximum 150-200 words per slide.</a:t>
+            </a:r>
+          </a:p>
+        </p:txBody>
+      </p:sp>
+      <p:sp>
+        <p:nvSpPr>
+          <p:cNvPr id="132" name="Google Shape;132;p17"/>
+          <p:cNvSpPr txBox="1">
+            <a:spLocks noGrp="1"/>
+          </p:cNvSpPr>
+          <p:nvPr>
+            <p:ph type="title" idx="4"/>
+          </p:nvPr>
+        </p:nvSpPr>
+        <p:spPr>
+          <a:prstGeom prst="rect">
+            <a:avLst/>
+          </a:prstGeom>
+        </p:spPr>
+        <p:txBody>
+          <a:bodyPr spcFirstLastPara="1" wrap="square" lIns="91425" tIns="91425" rIns="91425" bIns="91425" anchor="ctr" anchorCtr="0">
+            <a:noAutofit/>
+          </a:bodyPr>
+          <a:lstStyle/>
+          <a:p>
+            <a:pPr marL="0" lvl="0" indent="0" algn="ctr" rtl="0">
+              <a:spcBef>
+                <a:spcPts val="0"/>
+              </a:spcBef>
+              <a:spcAft>
+                <a:spcPts val="0"/>
+              </a:spcAft>
+              <a:buNone/>
+            </a:pPr>
+            <a:r>
+              <a:rPr lang="en">
+                <a:latin typeface="Roboto" panose="02000000000000000000" pitchFamily="2" charset="0"/>
+                <a:ea typeface="Roboto" panose="02000000000000000000" pitchFamily="2" charset="0"/>
+              </a:rPr>
+              <a:t>A</a:t>
+            </a:r>
+            <a:endParaRPr>
+              <a:latin typeface="Roboto" panose="02000000000000000000" pitchFamily="2" charset="0"/>
+              <a:ea typeface="Roboto" panose="02000000000000000000" pitchFamily="2" charset="0"/>
+            </a:endParaRPr>
+          </a:p>
+        </p:txBody>
+      </p:sp>
+    </p:spTree>
+    <p:extLst>
+      <p:ext uri="{BB962C8B-B14F-4D97-AF65-F5344CB8AC3E}">
+        <p14:creationId xmlns:p14="http://schemas.microsoft.com/office/powerpoint/2010/main" val="3783570192"/>
+      </p:ext>
+    </p:extLst>
+  </p:cSld>
+  <p:clrMapOvr>
+    <a:masterClrMapping/>
+  </p:clrMapOvr>
+</p:sld>
+</file>
+
+<file path=ppt/slides/slide13.xml><?xml version="1.0" encoding="utf-8"?>
+<p:sld xmlns:a="http://schemas.openxmlformats.org/drawingml/2006/main" xmlns:r="http://schemas.openxmlformats.org/officeDocument/2006/relationships" xmlns:p="http://schemas.openxmlformats.org/presentationml/2006/main">
+  <p:cSld>
+    <p:spTree>
+      <p:nvGrpSpPr>
         <p:cNvPr id="1" name=""/>
         <p:cNvGrpSpPr/>
         <p:nvPr/>
@@ -15464,7 +16404,7 @@
 </p:sld>
 </file>
 
-<file path=ppt/slides/slide11.xml><?xml version="1.0" encoding="utf-8"?>
+<file path=ppt/slides/slide14.xml><?xml version="1.0" encoding="utf-8"?>
 <p:sld xmlns:a="http://schemas.openxmlformats.org/drawingml/2006/main" xmlns:r="http://schemas.openxmlformats.org/officeDocument/2006/relationships" xmlns:p="http://schemas.openxmlformats.org/presentationml/2006/main">
   <p:cSld>
     <p:spTree>
@@ -15642,7 +16582,7 @@
 </p:sld>
 </file>
 
-<file path=ppt/slides/slide12.xml><?xml version="1.0" encoding="utf-8"?>
+<file path=ppt/slides/slide15.xml><?xml version="1.0" encoding="utf-8"?>
 <p:sld xmlns:a="http://schemas.openxmlformats.org/drawingml/2006/main" xmlns:r="http://schemas.openxmlformats.org/officeDocument/2006/relationships" xmlns:p="http://schemas.openxmlformats.org/presentationml/2006/main">
   <p:cSld>
     <p:spTree>
@@ -15807,7 +16747,7 @@
 </p:sld>
 </file>
 
-<file path=ppt/slides/slide13.xml><?xml version="1.0" encoding="utf-8"?>
+<file path=ppt/slides/slide16.xml><?xml version="1.0" encoding="utf-8"?>
 <p:sld xmlns:a="http://schemas.openxmlformats.org/drawingml/2006/main" xmlns:r="http://schemas.openxmlformats.org/officeDocument/2006/relationships" xmlns:p="http://schemas.openxmlformats.org/presentationml/2006/main">
   <p:cSld>
     <p:spTree>
@@ -15984,7 +16924,7 @@
 </p:sld>
 </file>
 
-<file path=ppt/slides/slide14.xml><?xml version="1.0" encoding="utf-8"?>
+<file path=ppt/slides/slide17.xml><?xml version="1.0" encoding="utf-8"?>
 <p:sld xmlns:a="http://schemas.openxmlformats.org/drawingml/2006/main" xmlns:r="http://schemas.openxmlformats.org/officeDocument/2006/relationships" xmlns:p="http://schemas.openxmlformats.org/presentationml/2006/main">
   <p:cSld>
     <p:spTree>
@@ -16165,7 +17105,7 @@
 </p:sld>
 </file>
 
-<file path=ppt/slides/slide15.xml><?xml version="1.0" encoding="utf-8"?>
+<file path=ppt/slides/slide18.xml><?xml version="1.0" encoding="utf-8"?>
 <p:sld xmlns:a="http://schemas.openxmlformats.org/drawingml/2006/main" xmlns:r="http://schemas.openxmlformats.org/officeDocument/2006/relationships" xmlns:p="http://schemas.openxmlformats.org/presentationml/2006/main">
   <p:cSld>
     <p:spTree>
@@ -17578,7 +18518,7 @@
               <a:rPr lang="en-GB" sz="1000" b="0" dirty="0">
                 <a:latin typeface="+mn-lt"/>
               </a:rPr>
-              <a:t>Add one sentence per image describing what the image is about. </a:t>
+              <a:t>I added my diagrams in the next 3 slides to make sure that no detail gets lost.</a:t>
             </a:r>
           </a:p>
           <a:p>
@@ -17904,7 +18844,7 @@
               <a:rPr lang="en-GB" sz="1000" b="0" dirty="0">
                 <a:latin typeface="+mn-lt"/>
               </a:rPr>
-              <a:t>A fun side scroller platformer where you need go to check point. And you can improve your time or try to find best route to a better time.</a:t>
+              <a:t>A fun side scroller platformer where you need go to the flag as quick as possible. Can you improve your time or find the best route to achieve a better time?</a:t>
             </a:r>
           </a:p>
         </p:txBody>
@@ -17923,6 +18863,463 @@
 </file>
 
 <file path=ppt/slides/slide6.xml><?xml version="1.0" encoding="utf-8"?>
+<p:sld xmlns:a="http://schemas.openxmlformats.org/drawingml/2006/main" xmlns:r="http://schemas.openxmlformats.org/officeDocument/2006/relationships" xmlns:p="http://schemas.openxmlformats.org/presentationml/2006/main">
+  <p:cSld>
+    <p:spTree>
+      <p:nvGrpSpPr>
+        <p:cNvPr id="1" name=""/>
+        <p:cNvGrpSpPr/>
+        <p:nvPr/>
+      </p:nvGrpSpPr>
+      <p:grpSpPr>
+        <a:xfrm>
+          <a:off x="0" y="0"/>
+          <a:ext cx="0" cy="0"/>
+          <a:chOff x="0" y="0"/>
+          <a:chExt cx="0" cy="0"/>
+        </a:xfrm>
+      </p:grpSpPr>
+      <p:sp>
+        <p:nvSpPr>
+          <p:cNvPr id="2" name="Title 1">
+            <a:extLst>
+              <a:ext uri="{FF2B5EF4-FFF2-40B4-BE49-F238E27FC236}">
+                <a16:creationId xmlns:a16="http://schemas.microsoft.com/office/drawing/2014/main" id="{267634B0-165F-CE71-251F-B5AFA5CA7903}"/>
+              </a:ext>
+            </a:extLst>
+          </p:cNvPr>
+          <p:cNvSpPr>
+            <a:spLocks noGrp="1"/>
+          </p:cNvSpPr>
+          <p:nvPr>
+            <p:ph type="title"/>
+          </p:nvPr>
+        </p:nvSpPr>
+        <p:spPr/>
+        <p:txBody>
+          <a:bodyPr/>
+          <a:lstStyle/>
+          <a:p>
+            <a:r>
+              <a:rPr lang="en-US" dirty="0"/>
+              <a:t>Diagram 1 checkpoint system </a:t>
+            </a:r>
+          </a:p>
+        </p:txBody>
+      </p:sp>
+      <p:sp>
+        <p:nvSpPr>
+          <p:cNvPr id="4" name="Subtitle 3">
+            <a:extLst>
+              <a:ext uri="{FF2B5EF4-FFF2-40B4-BE49-F238E27FC236}">
+                <a16:creationId xmlns:a16="http://schemas.microsoft.com/office/drawing/2014/main" id="{89B10D2E-961F-F89D-F788-710FBC80A84E}"/>
+              </a:ext>
+            </a:extLst>
+          </p:cNvPr>
+          <p:cNvSpPr>
+            <a:spLocks noGrp="1"/>
+          </p:cNvSpPr>
+          <p:nvPr>
+            <p:ph type="subTitle" idx="1"/>
+          </p:nvPr>
+        </p:nvSpPr>
+        <p:spPr>
+          <a:xfrm>
+            <a:off x="819947" y="4663779"/>
+            <a:ext cx="7504106" cy="402300"/>
+          </a:xfrm>
+        </p:spPr>
+        <p:txBody>
+          <a:bodyPr/>
+          <a:lstStyle/>
+          <a:p>
+            <a:pPr algn="ctr"/>
+            <a:r>
+              <a:rPr lang="en-GB" dirty="0"/>
+              <a:t>I made this diagram to show how I want my checkpoint system to work.</a:t>
+            </a:r>
+          </a:p>
+        </p:txBody>
+      </p:sp>
+      <p:sp>
+        <p:nvSpPr>
+          <p:cNvPr id="6" name="Title 5">
+            <a:extLst>
+              <a:ext uri="{FF2B5EF4-FFF2-40B4-BE49-F238E27FC236}">
+                <a16:creationId xmlns:a16="http://schemas.microsoft.com/office/drawing/2014/main" id="{711693AC-96AD-59A5-D387-4FBE3B958491}"/>
+              </a:ext>
+            </a:extLst>
+          </p:cNvPr>
+          <p:cNvSpPr>
+            <a:spLocks noGrp="1"/>
+          </p:cNvSpPr>
+          <p:nvPr>
+            <p:ph type="title" idx="4"/>
+          </p:nvPr>
+        </p:nvSpPr>
+        <p:spPr/>
+        <p:txBody>
+          <a:bodyPr/>
+          <a:lstStyle/>
+          <a:p>
+            <a:r>
+              <a:rPr lang="nl-NL" dirty="0"/>
+              <a:t>A</a:t>
+            </a:r>
+          </a:p>
+        </p:txBody>
+      </p:sp>
+      <p:pic>
+        <p:nvPicPr>
+          <p:cNvPr id="8" name="Picture 7" descr="A picture containing timeline&#10;&#10;Description automatically generated">
+            <a:extLst>
+              <a:ext uri="{FF2B5EF4-FFF2-40B4-BE49-F238E27FC236}">
+                <a16:creationId xmlns:a16="http://schemas.microsoft.com/office/drawing/2014/main" id="{E55E886D-905F-5F9F-4955-A58C353CA9BB}"/>
+              </a:ext>
+            </a:extLst>
+          </p:cNvPr>
+          <p:cNvPicPr>
+            <a:picLocks noChangeAspect="1"/>
+          </p:cNvPicPr>
+          <p:nvPr/>
+        </p:nvPicPr>
+        <p:blipFill>
+          <a:blip r:embed="rId2"/>
+          <a:stretch>
+            <a:fillRect/>
+          </a:stretch>
+        </p:blipFill>
+        <p:spPr>
+          <a:xfrm>
+            <a:off x="819947" y="760646"/>
+            <a:ext cx="7504106" cy="3808476"/>
+          </a:xfrm>
+          <a:prstGeom prst="rect">
+            <a:avLst/>
+          </a:prstGeom>
+        </p:spPr>
+      </p:pic>
+    </p:spTree>
+    <p:extLst>
+      <p:ext uri="{BB962C8B-B14F-4D97-AF65-F5344CB8AC3E}">
+        <p14:creationId xmlns:p14="http://schemas.microsoft.com/office/powerpoint/2010/main" val="3976655992"/>
+      </p:ext>
+    </p:extLst>
+  </p:cSld>
+  <p:clrMapOvr>
+    <a:masterClrMapping/>
+  </p:clrMapOvr>
+</p:sld>
+</file>
+
+<file path=ppt/slides/slide7.xml><?xml version="1.0" encoding="utf-8"?>
+<p:sld xmlns:a="http://schemas.openxmlformats.org/drawingml/2006/main" xmlns:r="http://schemas.openxmlformats.org/officeDocument/2006/relationships" xmlns:p="http://schemas.openxmlformats.org/presentationml/2006/main">
+  <p:cSld>
+    <p:spTree>
+      <p:nvGrpSpPr>
+        <p:cNvPr id="1" name=""/>
+        <p:cNvGrpSpPr/>
+        <p:nvPr/>
+      </p:nvGrpSpPr>
+      <p:grpSpPr>
+        <a:xfrm>
+          <a:off x="0" y="0"/>
+          <a:ext cx="0" cy="0"/>
+          <a:chOff x="0" y="0"/>
+          <a:chExt cx="0" cy="0"/>
+        </a:xfrm>
+      </p:grpSpPr>
+      <p:sp>
+        <p:nvSpPr>
+          <p:cNvPr id="2" name="Title 1">
+            <a:extLst>
+              <a:ext uri="{FF2B5EF4-FFF2-40B4-BE49-F238E27FC236}">
+                <a16:creationId xmlns:a16="http://schemas.microsoft.com/office/drawing/2014/main" id="{267634B0-165F-CE71-251F-B5AFA5CA7903}"/>
+              </a:ext>
+            </a:extLst>
+          </p:cNvPr>
+          <p:cNvSpPr>
+            <a:spLocks noGrp="1"/>
+          </p:cNvSpPr>
+          <p:nvPr>
+            <p:ph type="title"/>
+          </p:nvPr>
+        </p:nvSpPr>
+        <p:spPr/>
+        <p:txBody>
+          <a:bodyPr/>
+          <a:lstStyle/>
+          <a:p>
+            <a:r>
+              <a:rPr lang="en-US" dirty="0"/>
+              <a:t>Diagram 2 Dash</a:t>
+            </a:r>
+          </a:p>
+        </p:txBody>
+      </p:sp>
+      <p:sp>
+        <p:nvSpPr>
+          <p:cNvPr id="4" name="Subtitle 3">
+            <a:extLst>
+              <a:ext uri="{FF2B5EF4-FFF2-40B4-BE49-F238E27FC236}">
+                <a16:creationId xmlns:a16="http://schemas.microsoft.com/office/drawing/2014/main" id="{89B10D2E-961F-F89D-F788-710FBC80A84E}"/>
+              </a:ext>
+            </a:extLst>
+          </p:cNvPr>
+          <p:cNvSpPr>
+            <a:spLocks noGrp="1"/>
+          </p:cNvSpPr>
+          <p:nvPr>
+            <p:ph type="subTitle" idx="1"/>
+          </p:nvPr>
+        </p:nvSpPr>
+        <p:spPr>
+          <a:xfrm>
+            <a:off x="819947" y="4410908"/>
+            <a:ext cx="7504106" cy="655171"/>
+          </a:xfrm>
+        </p:spPr>
+        <p:txBody>
+          <a:bodyPr/>
+          <a:lstStyle/>
+          <a:p>
+            <a:pPr algn="ctr"/>
+            <a:r>
+              <a:rPr lang="en-GB" dirty="0"/>
+              <a:t>I made this diagram to show how I want my dash to work </a:t>
+            </a:r>
+          </a:p>
+          <a:p>
+            <a:pPr algn="ctr"/>
+            <a:r>
+              <a:rPr lang="en-GB" dirty="0"/>
+              <a:t>and how I want it to interact with other mechanics</a:t>
+            </a:r>
+          </a:p>
+        </p:txBody>
+      </p:sp>
+      <p:sp>
+        <p:nvSpPr>
+          <p:cNvPr id="6" name="Title 5">
+            <a:extLst>
+              <a:ext uri="{FF2B5EF4-FFF2-40B4-BE49-F238E27FC236}">
+                <a16:creationId xmlns:a16="http://schemas.microsoft.com/office/drawing/2014/main" id="{711693AC-96AD-59A5-D387-4FBE3B958491}"/>
+              </a:ext>
+            </a:extLst>
+          </p:cNvPr>
+          <p:cNvSpPr>
+            <a:spLocks noGrp="1"/>
+          </p:cNvSpPr>
+          <p:nvPr>
+            <p:ph type="title" idx="4"/>
+          </p:nvPr>
+        </p:nvSpPr>
+        <p:spPr/>
+        <p:txBody>
+          <a:bodyPr/>
+          <a:lstStyle/>
+          <a:p>
+            <a:r>
+              <a:rPr lang="nl-NL" dirty="0"/>
+              <a:t>A</a:t>
+            </a:r>
+          </a:p>
+        </p:txBody>
+      </p:sp>
+      <p:pic>
+        <p:nvPicPr>
+          <p:cNvPr id="5" name="Picture 4" descr="A picture containing calendar">
+            <a:extLst>
+              <a:ext uri="{FF2B5EF4-FFF2-40B4-BE49-F238E27FC236}">
+                <a16:creationId xmlns:a16="http://schemas.microsoft.com/office/drawing/2014/main" id="{BC268788-F331-5800-3B1A-ED5C61ECB2E9}"/>
+              </a:ext>
+            </a:extLst>
+          </p:cNvPr>
+          <p:cNvPicPr>
+            <a:picLocks noChangeAspect="1"/>
+          </p:cNvPicPr>
+          <p:nvPr/>
+        </p:nvPicPr>
+        <p:blipFill>
+          <a:blip r:embed="rId2"/>
+          <a:stretch>
+            <a:fillRect/>
+          </a:stretch>
+        </p:blipFill>
+        <p:spPr>
+          <a:xfrm>
+            <a:off x="935605" y="646265"/>
+            <a:ext cx="7272789" cy="3691078"/>
+          </a:xfrm>
+          <a:prstGeom prst="rect">
+            <a:avLst/>
+          </a:prstGeom>
+        </p:spPr>
+      </p:pic>
+    </p:spTree>
+    <p:extLst>
+      <p:ext uri="{BB962C8B-B14F-4D97-AF65-F5344CB8AC3E}">
+        <p14:creationId xmlns:p14="http://schemas.microsoft.com/office/powerpoint/2010/main" val="1258585909"/>
+      </p:ext>
+    </p:extLst>
+  </p:cSld>
+  <p:clrMapOvr>
+    <a:masterClrMapping/>
+  </p:clrMapOvr>
+</p:sld>
+</file>
+
+<file path=ppt/slides/slide8.xml><?xml version="1.0" encoding="utf-8"?>
+<p:sld xmlns:a="http://schemas.openxmlformats.org/drawingml/2006/main" xmlns:r="http://schemas.openxmlformats.org/officeDocument/2006/relationships" xmlns:p="http://schemas.openxmlformats.org/presentationml/2006/main">
+  <p:cSld>
+    <p:spTree>
+      <p:nvGrpSpPr>
+        <p:cNvPr id="1" name=""/>
+        <p:cNvGrpSpPr/>
+        <p:nvPr/>
+      </p:nvGrpSpPr>
+      <p:grpSpPr>
+        <a:xfrm>
+          <a:off x="0" y="0"/>
+          <a:ext cx="0" cy="0"/>
+          <a:chOff x="0" y="0"/>
+          <a:chExt cx="0" cy="0"/>
+        </a:xfrm>
+      </p:grpSpPr>
+      <p:sp>
+        <p:nvSpPr>
+          <p:cNvPr id="2" name="Title 1">
+            <a:extLst>
+              <a:ext uri="{FF2B5EF4-FFF2-40B4-BE49-F238E27FC236}">
+                <a16:creationId xmlns:a16="http://schemas.microsoft.com/office/drawing/2014/main" id="{267634B0-165F-CE71-251F-B5AFA5CA7903}"/>
+              </a:ext>
+            </a:extLst>
+          </p:cNvPr>
+          <p:cNvSpPr>
+            <a:spLocks noGrp="1"/>
+          </p:cNvSpPr>
+          <p:nvPr>
+            <p:ph type="title"/>
+          </p:nvPr>
+        </p:nvSpPr>
+        <p:spPr/>
+        <p:txBody>
+          <a:bodyPr/>
+          <a:lstStyle/>
+          <a:p>
+            <a:r>
+              <a:rPr lang="en-US" dirty="0"/>
+              <a:t>Diagram 3 Wall jump</a:t>
+            </a:r>
+          </a:p>
+        </p:txBody>
+      </p:sp>
+      <p:sp>
+        <p:nvSpPr>
+          <p:cNvPr id="4" name="Subtitle 3">
+            <a:extLst>
+              <a:ext uri="{FF2B5EF4-FFF2-40B4-BE49-F238E27FC236}">
+                <a16:creationId xmlns:a16="http://schemas.microsoft.com/office/drawing/2014/main" id="{89B10D2E-961F-F89D-F788-710FBC80A84E}"/>
+              </a:ext>
+            </a:extLst>
+          </p:cNvPr>
+          <p:cNvSpPr>
+            <a:spLocks noGrp="1"/>
+          </p:cNvSpPr>
+          <p:nvPr>
+            <p:ph type="subTitle" idx="1"/>
+          </p:nvPr>
+        </p:nvSpPr>
+        <p:spPr>
+          <a:xfrm>
+            <a:off x="819947" y="4477512"/>
+            <a:ext cx="7504106" cy="402300"/>
+          </a:xfrm>
+        </p:spPr>
+        <p:txBody>
+          <a:bodyPr/>
+          <a:lstStyle/>
+          <a:p>
+            <a:pPr algn="ctr"/>
+            <a:r>
+              <a:rPr lang="en-GB" dirty="0"/>
+              <a:t>I made this diagram to show how I want my wall jump to work.</a:t>
+            </a:r>
+          </a:p>
+        </p:txBody>
+      </p:sp>
+      <p:sp>
+        <p:nvSpPr>
+          <p:cNvPr id="6" name="Title 5">
+            <a:extLst>
+              <a:ext uri="{FF2B5EF4-FFF2-40B4-BE49-F238E27FC236}">
+                <a16:creationId xmlns:a16="http://schemas.microsoft.com/office/drawing/2014/main" id="{711693AC-96AD-59A5-D387-4FBE3B958491}"/>
+              </a:ext>
+            </a:extLst>
+          </p:cNvPr>
+          <p:cNvSpPr>
+            <a:spLocks noGrp="1"/>
+          </p:cNvSpPr>
+          <p:nvPr>
+            <p:ph type="title" idx="4"/>
+          </p:nvPr>
+        </p:nvSpPr>
+        <p:spPr/>
+        <p:txBody>
+          <a:bodyPr/>
+          <a:lstStyle/>
+          <a:p>
+            <a:r>
+              <a:rPr lang="nl-NL" dirty="0"/>
+              <a:t>A</a:t>
+            </a:r>
+          </a:p>
+        </p:txBody>
+      </p:sp>
+      <p:pic>
+        <p:nvPicPr>
+          <p:cNvPr id="5" name="Picture 4" descr="Chart&#10;&#10;Description automatically generated">
+            <a:extLst>
+              <a:ext uri="{FF2B5EF4-FFF2-40B4-BE49-F238E27FC236}">
+                <a16:creationId xmlns:a16="http://schemas.microsoft.com/office/drawing/2014/main" id="{411760C7-5501-5345-ADD3-9D9F409C84A5}"/>
+              </a:ext>
+            </a:extLst>
+          </p:cNvPr>
+          <p:cNvPicPr>
+            <a:picLocks noChangeAspect="1"/>
+          </p:cNvPicPr>
+          <p:nvPr/>
+        </p:nvPicPr>
+        <p:blipFill>
+          <a:blip r:embed="rId2"/>
+          <a:stretch>
+            <a:fillRect/>
+          </a:stretch>
+        </p:blipFill>
+        <p:spPr>
+          <a:xfrm>
+            <a:off x="157356" y="745067"/>
+            <a:ext cx="8859979" cy="3666066"/>
+          </a:xfrm>
+          <a:prstGeom prst="rect">
+            <a:avLst/>
+          </a:prstGeom>
+        </p:spPr>
+      </p:pic>
+    </p:spTree>
+    <p:extLst>
+      <p:ext uri="{BB962C8B-B14F-4D97-AF65-F5344CB8AC3E}">
+        <p14:creationId xmlns:p14="http://schemas.microsoft.com/office/powerpoint/2010/main" val="713333901"/>
+      </p:ext>
+    </p:extLst>
+  </p:cSld>
+  <p:clrMapOvr>
+    <a:masterClrMapping/>
+  </p:clrMapOvr>
+</p:sld>
+</file>
+
+<file path=ppt/slides/slide9.xml><?xml version="1.0" encoding="utf-8"?>
 <p:sld xmlns:a="http://schemas.openxmlformats.org/drawingml/2006/main" xmlns:r="http://schemas.openxmlformats.org/officeDocument/2006/relationships" xmlns:p="http://schemas.openxmlformats.org/presentationml/2006/main">
   <p:cSld>
     <p:spTree>
@@ -18491,943 +19888,6 @@
     <p:extLst>
       <p:ext uri="{BB962C8B-B14F-4D97-AF65-F5344CB8AC3E}">
         <p14:creationId xmlns:p14="http://schemas.microsoft.com/office/powerpoint/2010/main" val="1587988885"/>
-      </p:ext>
-    </p:extLst>
-  </p:cSld>
-  <p:clrMapOvr>
-    <a:masterClrMapping/>
-  </p:clrMapOvr>
-</p:sld>
-</file>
-
-<file path=ppt/slides/slide7.xml><?xml version="1.0" encoding="utf-8"?>
-<p:sld xmlns:a="http://schemas.openxmlformats.org/drawingml/2006/main" xmlns:r="http://schemas.openxmlformats.org/officeDocument/2006/relationships" xmlns:p="http://schemas.openxmlformats.org/presentationml/2006/main">
-  <p:cSld>
-    <p:spTree>
-      <p:nvGrpSpPr>
-        <p:cNvPr id="1" name="Shape 129"/>
-        <p:cNvGrpSpPr/>
-        <p:nvPr/>
-      </p:nvGrpSpPr>
-      <p:grpSpPr>
-        <a:xfrm>
-          <a:off x="0" y="0"/>
-          <a:ext cx="0" cy="0"/>
-          <a:chOff x="0" y="0"/>
-          <a:chExt cx="0" cy="0"/>
-        </a:xfrm>
-      </p:grpSpPr>
-      <p:sp>
-        <p:nvSpPr>
-          <p:cNvPr id="130" name="Google Shape;130;p17"/>
-          <p:cNvSpPr txBox="1">
-            <a:spLocks noGrp="1"/>
-          </p:cNvSpPr>
-          <p:nvPr>
-            <p:ph type="title"/>
-          </p:nvPr>
-        </p:nvSpPr>
-        <p:spPr>
-          <a:xfrm>
-            <a:off x="667504" y="0"/>
-            <a:ext cx="7920000" cy="572700"/>
-          </a:xfrm>
-          <a:prstGeom prst="rect">
-            <a:avLst/>
-          </a:prstGeom>
-        </p:spPr>
-        <p:txBody>
-          <a:bodyPr spcFirstLastPara="1" wrap="square" lIns="91425" tIns="91425" rIns="91425" bIns="91425" anchor="ctr" anchorCtr="0">
-            <a:noAutofit/>
-          </a:bodyPr>
-          <a:lstStyle/>
-          <a:p>
-            <a:pPr marL="0" lvl="0" indent="0" rtl="0">
-              <a:spcBef>
-                <a:spcPts val="0"/>
-              </a:spcBef>
-              <a:spcAft>
-                <a:spcPts val="0"/>
-              </a:spcAft>
-              <a:buNone/>
-            </a:pPr>
-            <a:r>
-              <a:rPr lang="en-US" b="1">
-                <a:latin typeface="Roboto"/>
-                <a:ea typeface="Roboto"/>
-              </a:rPr>
-              <a:t>(A4) Design and Production Assignment - Testing and Iterating</a:t>
-            </a:r>
-          </a:p>
-        </p:txBody>
-      </p:sp>
-      <p:sp>
-        <p:nvSpPr>
-          <p:cNvPr id="133" name="Google Shape;133;p17"/>
-          <p:cNvSpPr txBox="1">
-            <a:spLocks noGrp="1"/>
-          </p:cNvSpPr>
-          <p:nvPr>
-            <p:ph type="subTitle" idx="1"/>
-          </p:nvPr>
-        </p:nvSpPr>
-        <p:spPr>
-          <a:xfrm>
-            <a:off x="60623" y="667476"/>
-            <a:ext cx="9017702" cy="2235014"/>
-          </a:xfrm>
-          <a:prstGeom prst="rect">
-            <a:avLst/>
-          </a:prstGeom>
-        </p:spPr>
-        <p:txBody>
-          <a:bodyPr spcFirstLastPara="1" wrap="square" lIns="91425" tIns="91425" rIns="91425" bIns="91425" anchor="t" anchorCtr="0">
-            <a:noAutofit/>
-          </a:bodyPr>
-          <a:lstStyle/>
-          <a:p>
-            <a:pPr marL="0" indent="0"/>
-            <a:r>
-              <a:rPr lang="en-GB" b="0" dirty="0">
-                <a:latin typeface="+mn-lt"/>
-              </a:rPr>
-              <a:t>Provide short video(s) or picture(s) of play-tester(s) of the intended target audience playing your game.</a:t>
-            </a:r>
-          </a:p>
-          <a:p>
-            <a:pPr marL="0" indent="0"/>
-            <a:r>
-              <a:rPr lang="en-GB" sz="1000" b="0" i="1" dirty="0">
-                <a:latin typeface="+mn-lt"/>
-                <a:ea typeface="Calibri" panose="020F0502020204030204" pitchFamily="34" charset="0"/>
-              </a:rPr>
-              <a:t>When you embed an mp4 (video) here, keep it short (no longer than 30 seconds). Instructions on doing this can be found </a:t>
-            </a:r>
-            <a:r>
-              <a:rPr lang="en-GB" sz="1000" b="0" i="1" dirty="0">
-                <a:latin typeface="+mn-lt"/>
-                <a:ea typeface="Calibri" panose="020F0502020204030204" pitchFamily="34" charset="0"/>
-                <a:hlinkClick r:id="rId3"/>
-              </a:rPr>
-              <a:t>here</a:t>
-            </a:r>
-            <a:r>
-              <a:rPr lang="en-GB" sz="1000" b="0" i="1" dirty="0">
-                <a:latin typeface="+mn-lt"/>
-                <a:ea typeface="Calibri" panose="020F0502020204030204" pitchFamily="34" charset="0"/>
-              </a:rPr>
-              <a:t>. Add one sentence per video/image describing what the video/image is about. </a:t>
-            </a:r>
-          </a:p>
-          <a:p>
-            <a:pPr marL="0" indent="0"/>
-            <a:endParaRPr lang="en-GB" sz="1600" b="0" dirty="0">
-              <a:latin typeface="+mn-lt"/>
-            </a:endParaRPr>
-          </a:p>
-        </p:txBody>
-      </p:sp>
-      <p:sp>
-        <p:nvSpPr>
-          <p:cNvPr id="132" name="Google Shape;132;p17"/>
-          <p:cNvSpPr txBox="1">
-            <a:spLocks noGrp="1"/>
-          </p:cNvSpPr>
-          <p:nvPr>
-            <p:ph type="title" idx="4"/>
-          </p:nvPr>
-        </p:nvSpPr>
-        <p:spPr>
-          <a:prstGeom prst="rect">
-            <a:avLst/>
-          </a:prstGeom>
-        </p:spPr>
-        <p:txBody>
-          <a:bodyPr spcFirstLastPara="1" wrap="square" lIns="91425" tIns="91425" rIns="91425" bIns="91425" anchor="ctr" anchorCtr="0">
-            <a:noAutofit/>
-          </a:bodyPr>
-          <a:lstStyle/>
-          <a:p>
-            <a:pPr marL="0" lvl="0" indent="0" algn="ctr" rtl="0">
-              <a:spcBef>
-                <a:spcPts val="0"/>
-              </a:spcBef>
-              <a:spcAft>
-                <a:spcPts val="0"/>
-              </a:spcAft>
-              <a:buNone/>
-            </a:pPr>
-            <a:r>
-              <a:rPr lang="en">
-                <a:latin typeface="Roboto" panose="02000000000000000000" pitchFamily="2" charset="0"/>
-                <a:ea typeface="Roboto" panose="02000000000000000000" pitchFamily="2" charset="0"/>
-              </a:rPr>
-              <a:t>A</a:t>
-            </a:r>
-          </a:p>
-        </p:txBody>
-      </p:sp>
-      <p:sp>
-        <p:nvSpPr>
-          <p:cNvPr id="2" name="Google Shape;133;p17">
-            <a:extLst>
-              <a:ext uri="{FF2B5EF4-FFF2-40B4-BE49-F238E27FC236}">
-                <a16:creationId xmlns:a16="http://schemas.microsoft.com/office/drawing/2014/main" id="{A1D8FEA5-0A98-0124-ED32-B51EF494C835}"/>
-              </a:ext>
-            </a:extLst>
-          </p:cNvPr>
-          <p:cNvSpPr txBox="1">
-            <a:spLocks/>
-          </p:cNvSpPr>
-          <p:nvPr/>
-        </p:nvSpPr>
-        <p:spPr>
-          <a:xfrm>
-            <a:off x="60623" y="3106939"/>
-            <a:ext cx="9017702" cy="1929840"/>
-          </a:xfrm>
-          <a:prstGeom prst="rect">
-            <a:avLst/>
-          </a:prstGeom>
-          <a:noFill/>
-          <a:ln>
-            <a:noFill/>
-          </a:ln>
-        </p:spPr>
-        <p:txBody>
-          <a:bodyPr spcFirstLastPara="1" wrap="square" lIns="91425" tIns="91425" rIns="91425" bIns="91425" anchor="t" anchorCtr="0">
-            <a:noAutofit/>
-          </a:bodyPr>
-          <a:lstStyle>
-            <a:defPPr marR="0" lvl="0" algn="l" rtl="0">
-              <a:lnSpc>
-                <a:spcPct val="100000"/>
-              </a:lnSpc>
-              <a:spcBef>
-                <a:spcPts val="0"/>
-              </a:spcBef>
-              <a:spcAft>
-                <a:spcPts val="0"/>
-              </a:spcAft>
-            </a:defPPr>
-            <a:lvl1pPr marL="457200" marR="0" lvl="0" indent="-292100" algn="l" rtl="0">
-              <a:lnSpc>
-                <a:spcPct val="104000"/>
-              </a:lnSpc>
-              <a:spcBef>
-                <a:spcPts val="0"/>
-              </a:spcBef>
-              <a:spcAft>
-                <a:spcPts val="0"/>
-              </a:spcAft>
-              <a:buClr>
-                <a:srgbClr val="FFFFFF"/>
-              </a:buClr>
-              <a:buSzPts val="1000"/>
-              <a:buFont typeface="Roboto"/>
-              <a:buNone/>
-              <a:defRPr sz="1400" b="1" i="0" u="none" strike="noStrike" cap="none">
-                <a:solidFill>
-                  <a:srgbClr val="FFFFFF"/>
-                </a:solidFill>
-                <a:latin typeface="Roboto"/>
-                <a:ea typeface="Roboto"/>
-                <a:cs typeface="Roboto"/>
-                <a:sym typeface="Roboto"/>
-              </a:defRPr>
-            </a:lvl1pPr>
-            <a:lvl2pPr marL="914400" marR="0" lvl="1" indent="-292100" algn="l" rtl="0">
-              <a:lnSpc>
-                <a:spcPct val="104000"/>
-              </a:lnSpc>
-              <a:spcBef>
-                <a:spcPts val="800"/>
-              </a:spcBef>
-              <a:spcAft>
-                <a:spcPts val="0"/>
-              </a:spcAft>
-              <a:buClr>
-                <a:srgbClr val="FFFFFF"/>
-              </a:buClr>
-              <a:buSzPts val="1000"/>
-              <a:buFont typeface="Roboto"/>
-              <a:buNone/>
-              <a:defRPr sz="1000" b="0" i="1" u="none" strike="noStrike" cap="none">
-                <a:solidFill>
-                  <a:srgbClr val="FFFFFF"/>
-                </a:solidFill>
-                <a:latin typeface="Roboto"/>
-                <a:ea typeface="Roboto"/>
-                <a:cs typeface="Roboto"/>
-                <a:sym typeface="Roboto"/>
-              </a:defRPr>
-            </a:lvl2pPr>
-            <a:lvl3pPr marL="1371600" marR="0" lvl="2" indent="-292100" algn="l" rtl="0">
-              <a:lnSpc>
-                <a:spcPct val="104000"/>
-              </a:lnSpc>
-              <a:spcBef>
-                <a:spcPts val="800"/>
-              </a:spcBef>
-              <a:spcAft>
-                <a:spcPts val="0"/>
-              </a:spcAft>
-              <a:buClr>
-                <a:srgbClr val="FFFFFF"/>
-              </a:buClr>
-              <a:buSzPts val="1000"/>
-              <a:buFont typeface="Roboto"/>
-              <a:buNone/>
-              <a:defRPr sz="1000" b="0" i="0" u="sng" strike="noStrike" cap="none">
-                <a:solidFill>
-                  <a:srgbClr val="FFFFFF"/>
-                </a:solidFill>
-                <a:latin typeface="Roboto"/>
-                <a:ea typeface="Roboto"/>
-                <a:cs typeface="Roboto"/>
-                <a:sym typeface="Roboto"/>
-              </a:defRPr>
-            </a:lvl3pPr>
-            <a:lvl4pPr marL="1828800" marR="0" lvl="3" indent="-292100" algn="l" rtl="0">
-              <a:lnSpc>
-                <a:spcPct val="104000"/>
-              </a:lnSpc>
-              <a:spcBef>
-                <a:spcPts val="800"/>
-              </a:spcBef>
-              <a:spcAft>
-                <a:spcPts val="0"/>
-              </a:spcAft>
-              <a:buClr>
-                <a:srgbClr val="FFFFFF"/>
-              </a:buClr>
-              <a:buSzPts val="1000"/>
-              <a:buFont typeface="Roboto"/>
-              <a:buNone/>
-              <a:defRPr sz="1000" b="0" i="0" u="none" strike="noStrike" cap="none">
-                <a:solidFill>
-                  <a:srgbClr val="FFFFFF"/>
-                </a:solidFill>
-                <a:latin typeface="Roboto"/>
-                <a:ea typeface="Roboto"/>
-                <a:cs typeface="Roboto"/>
-                <a:sym typeface="Roboto"/>
-              </a:defRPr>
-            </a:lvl4pPr>
-            <a:lvl5pPr marL="2286000" marR="0" lvl="4" indent="-292100" algn="l" rtl="0">
-              <a:lnSpc>
-                <a:spcPct val="104000"/>
-              </a:lnSpc>
-              <a:spcBef>
-                <a:spcPts val="800"/>
-              </a:spcBef>
-              <a:spcAft>
-                <a:spcPts val="0"/>
-              </a:spcAft>
-              <a:buClr>
-                <a:srgbClr val="FFFFFF"/>
-              </a:buClr>
-              <a:buSzPts val="1000"/>
-              <a:buFont typeface="Roboto"/>
-              <a:buNone/>
-              <a:defRPr sz="1000" b="0" i="1" u="none" strike="noStrike" cap="none">
-                <a:solidFill>
-                  <a:srgbClr val="FFFFFF"/>
-                </a:solidFill>
-                <a:latin typeface="Roboto"/>
-                <a:ea typeface="Roboto"/>
-                <a:cs typeface="Roboto"/>
-                <a:sym typeface="Roboto"/>
-              </a:defRPr>
-            </a:lvl5pPr>
-            <a:lvl6pPr marL="2743200" marR="0" lvl="5" indent="-292100" algn="l" rtl="0">
-              <a:lnSpc>
-                <a:spcPct val="104000"/>
-              </a:lnSpc>
-              <a:spcBef>
-                <a:spcPts val="800"/>
-              </a:spcBef>
-              <a:spcAft>
-                <a:spcPts val="0"/>
-              </a:spcAft>
-              <a:buClr>
-                <a:srgbClr val="FFFFFF"/>
-              </a:buClr>
-              <a:buSzPts val="1000"/>
-              <a:buFont typeface="Roboto"/>
-              <a:buNone/>
-              <a:defRPr sz="1000" b="0" i="0" u="sng" strike="noStrike" cap="none">
-                <a:solidFill>
-                  <a:srgbClr val="FFFFFF"/>
-                </a:solidFill>
-                <a:latin typeface="Roboto"/>
-                <a:ea typeface="Roboto"/>
-                <a:cs typeface="Roboto"/>
-                <a:sym typeface="Roboto"/>
-              </a:defRPr>
-            </a:lvl6pPr>
-            <a:lvl7pPr marL="3200400" marR="0" lvl="6" indent="-292100" algn="l" rtl="0">
-              <a:lnSpc>
-                <a:spcPct val="104000"/>
-              </a:lnSpc>
-              <a:spcBef>
-                <a:spcPts val="800"/>
-              </a:spcBef>
-              <a:spcAft>
-                <a:spcPts val="0"/>
-              </a:spcAft>
-              <a:buClr>
-                <a:srgbClr val="FFFFFF"/>
-              </a:buClr>
-              <a:buSzPts val="1000"/>
-              <a:buFont typeface="Roboto"/>
-              <a:buNone/>
-              <a:defRPr sz="1000" b="0" i="0" u="none" strike="noStrike" cap="none">
-                <a:solidFill>
-                  <a:srgbClr val="FFFFFF"/>
-                </a:solidFill>
-                <a:latin typeface="Roboto"/>
-                <a:ea typeface="Roboto"/>
-                <a:cs typeface="Roboto"/>
-                <a:sym typeface="Roboto"/>
-              </a:defRPr>
-            </a:lvl7pPr>
-            <a:lvl8pPr marL="3657600" marR="0" lvl="7" indent="-292100" algn="l" rtl="0">
-              <a:lnSpc>
-                <a:spcPct val="104000"/>
-              </a:lnSpc>
-              <a:spcBef>
-                <a:spcPts val="800"/>
-              </a:spcBef>
-              <a:spcAft>
-                <a:spcPts val="0"/>
-              </a:spcAft>
-              <a:buClr>
-                <a:srgbClr val="FFFFFF"/>
-              </a:buClr>
-              <a:buSzPts val="1000"/>
-              <a:buFont typeface="Roboto"/>
-              <a:buNone/>
-              <a:defRPr sz="1000" b="0" i="1" u="none" strike="noStrike" cap="none">
-                <a:solidFill>
-                  <a:srgbClr val="FFFFFF"/>
-                </a:solidFill>
-                <a:latin typeface="Roboto"/>
-                <a:ea typeface="Roboto"/>
-                <a:cs typeface="Roboto"/>
-                <a:sym typeface="Roboto"/>
-              </a:defRPr>
-            </a:lvl8pPr>
-            <a:lvl9pPr marL="4114800" marR="0" lvl="8" indent="-292100" algn="l" rtl="0">
-              <a:lnSpc>
-                <a:spcPct val="104000"/>
-              </a:lnSpc>
-              <a:spcBef>
-                <a:spcPts val="800"/>
-              </a:spcBef>
-              <a:spcAft>
-                <a:spcPts val="800"/>
-              </a:spcAft>
-              <a:buClr>
-                <a:srgbClr val="FFFFFF"/>
-              </a:buClr>
-              <a:buSzPts val="1000"/>
-              <a:buFont typeface="Roboto"/>
-              <a:buNone/>
-              <a:defRPr sz="1000" b="0" i="0" u="sng" strike="noStrike" cap="none">
-                <a:solidFill>
-                  <a:srgbClr val="FFFFFF"/>
-                </a:solidFill>
-                <a:latin typeface="Roboto"/>
-                <a:ea typeface="Roboto"/>
-                <a:cs typeface="Roboto"/>
-                <a:sym typeface="Roboto"/>
-              </a:defRPr>
-            </a:lvl9pPr>
-          </a:lstStyle>
-          <a:p>
-            <a:pPr marL="0" indent="0"/>
-            <a:r>
-              <a:rPr lang="en-GB" b="0" dirty="0">
-                <a:latin typeface="+mn-lt"/>
-              </a:rPr>
-              <a:t>Write down your 2-3 most important test results. </a:t>
-            </a:r>
-          </a:p>
-          <a:p>
-            <a:pPr marL="0" indent="0"/>
-            <a:r>
-              <a:rPr lang="en-GB" sz="1000" b="0" i="0" dirty="0">
-                <a:latin typeface="+mn-lt"/>
-              </a:rPr>
-              <a:t>Describe how you iterated on your game design and explain why the redesign improves the game experience. </a:t>
-            </a:r>
-          </a:p>
-          <a:p>
-            <a:pPr marL="0" indent="0"/>
-            <a:endParaRPr lang="en-GB" sz="1000" b="0" dirty="0">
-              <a:latin typeface="+mn-lt"/>
-            </a:endParaRPr>
-          </a:p>
-          <a:p>
-            <a:pPr marL="0" indent="0"/>
-            <a:r>
-              <a:rPr lang="en-GB" sz="1000" b="0" i="0" dirty="0">
-                <a:latin typeface="+mn-lt"/>
-              </a:rPr>
-              <a:t>I made a 3D model for the spike in the game because a few people jump on the red block that I used as spikes.</a:t>
-            </a:r>
-          </a:p>
-          <a:p>
-            <a:pPr marL="0" indent="0"/>
-            <a:endParaRPr lang="en-GB" sz="1000" b="0" dirty="0">
-              <a:latin typeface="+mn-lt"/>
-            </a:endParaRPr>
-          </a:p>
-          <a:p>
-            <a:pPr marL="0" indent="0"/>
-            <a:r>
-              <a:rPr lang="en-GB" sz="1000" b="0" i="0" dirty="0">
-                <a:latin typeface="+mn-lt"/>
-              </a:rPr>
-              <a:t>Floaty feel result</a:t>
-            </a:r>
-          </a:p>
-          <a:p>
-            <a:pPr marL="0" indent="0"/>
-            <a:endParaRPr lang="en-GB" sz="1000" b="0" dirty="0">
-              <a:latin typeface="+mn-lt"/>
-            </a:endParaRPr>
-          </a:p>
-          <a:p>
-            <a:pPr marL="0" indent="0"/>
-            <a:endParaRPr lang="en-GB" sz="1000" b="0" i="0" dirty="0">
-              <a:latin typeface="+mn-lt"/>
-            </a:endParaRPr>
-          </a:p>
-          <a:p>
-            <a:pPr marL="0" indent="0"/>
-            <a:endParaRPr lang="en-GB" sz="1200" b="0" i="0" dirty="0">
-              <a:latin typeface="+mn-lt"/>
-            </a:endParaRPr>
-          </a:p>
-          <a:p>
-            <a:pPr marL="0" indent="0"/>
-            <a:endParaRPr lang="en-GB" sz="1600" b="0" dirty="0">
-              <a:latin typeface="+mn-lt"/>
-            </a:endParaRPr>
-          </a:p>
-        </p:txBody>
-      </p:sp>
-    </p:spTree>
-    <p:extLst>
-      <p:ext uri="{BB962C8B-B14F-4D97-AF65-F5344CB8AC3E}">
-        <p14:creationId xmlns:p14="http://schemas.microsoft.com/office/powerpoint/2010/main" val="3689754943"/>
-      </p:ext>
-    </p:extLst>
-  </p:cSld>
-  <p:clrMapOvr>
-    <a:masterClrMapping/>
-  </p:clrMapOvr>
-</p:sld>
-</file>
-
-<file path=ppt/slides/slide8.xml><?xml version="1.0" encoding="utf-8"?>
-<p:sld xmlns:a="http://schemas.openxmlformats.org/drawingml/2006/main" xmlns:r="http://schemas.openxmlformats.org/officeDocument/2006/relationships" xmlns:p="http://schemas.openxmlformats.org/presentationml/2006/main">
-  <p:cSld>
-    <p:spTree>
-      <p:nvGrpSpPr>
-        <p:cNvPr id="1" name="Shape 129"/>
-        <p:cNvGrpSpPr/>
-        <p:nvPr/>
-      </p:nvGrpSpPr>
-      <p:grpSpPr>
-        <a:xfrm>
-          <a:off x="0" y="0"/>
-          <a:ext cx="0" cy="0"/>
-          <a:chOff x="0" y="0"/>
-          <a:chExt cx="0" cy="0"/>
-        </a:xfrm>
-      </p:grpSpPr>
-      <p:sp>
-        <p:nvSpPr>
-          <p:cNvPr id="130" name="Google Shape;130;p17"/>
-          <p:cNvSpPr txBox="1">
-            <a:spLocks noGrp="1"/>
-          </p:cNvSpPr>
-          <p:nvPr>
-            <p:ph type="title"/>
-          </p:nvPr>
-        </p:nvSpPr>
-        <p:spPr>
-          <a:xfrm>
-            <a:off x="667504" y="0"/>
-            <a:ext cx="7920000" cy="572700"/>
-          </a:xfrm>
-          <a:prstGeom prst="rect">
-            <a:avLst/>
-          </a:prstGeom>
-        </p:spPr>
-        <p:txBody>
-          <a:bodyPr spcFirstLastPara="1" wrap="square" lIns="91425" tIns="91425" rIns="91425" bIns="91425" anchor="ctr" anchorCtr="0">
-            <a:noAutofit/>
-          </a:bodyPr>
-          <a:lstStyle/>
-          <a:p>
-            <a:pPr marL="0" lvl="0" indent="0" rtl="0">
-              <a:spcBef>
-                <a:spcPts val="0"/>
-              </a:spcBef>
-              <a:spcAft>
-                <a:spcPts val="0"/>
-              </a:spcAft>
-              <a:buNone/>
-            </a:pPr>
-            <a:r>
-              <a:rPr lang="en-US" b="1">
-                <a:latin typeface="Roboto"/>
-                <a:ea typeface="Roboto"/>
-              </a:rPr>
-              <a:t>(A5) Design and Production Assignment - Testing and Iterating</a:t>
-            </a:r>
-          </a:p>
-        </p:txBody>
-      </p:sp>
-      <p:sp>
-        <p:nvSpPr>
-          <p:cNvPr id="133" name="Google Shape;133;p17"/>
-          <p:cNvSpPr txBox="1">
-            <a:spLocks noGrp="1"/>
-          </p:cNvSpPr>
-          <p:nvPr>
-            <p:ph type="subTitle" idx="1"/>
-          </p:nvPr>
-        </p:nvSpPr>
-        <p:spPr>
-          <a:xfrm>
-            <a:off x="50519" y="667476"/>
-            <a:ext cx="9022754" cy="4320000"/>
-          </a:xfrm>
-          <a:prstGeom prst="rect">
-            <a:avLst/>
-          </a:prstGeom>
-        </p:spPr>
-        <p:txBody>
-          <a:bodyPr spcFirstLastPara="1" wrap="square" lIns="91425" tIns="91425" rIns="91425" bIns="91425" anchor="t" anchorCtr="0">
-            <a:noAutofit/>
-          </a:bodyPr>
-          <a:lstStyle/>
-          <a:p>
-            <a:pPr marL="0" indent="0"/>
-            <a:r>
-              <a:rPr lang="en-GB" b="0" dirty="0">
-                <a:latin typeface="+mn-lt"/>
-              </a:rPr>
-              <a:t>Provide 2-3 examples of before and after (short) videos on changes you made based on the test results. </a:t>
-            </a:r>
-          </a:p>
-          <a:p>
-            <a:pPr marL="0" indent="0"/>
-            <a:r>
-              <a:rPr lang="en-GB" sz="1000" b="0" i="1" dirty="0">
-                <a:latin typeface="+mn-lt"/>
-                <a:ea typeface="Calibri" panose="020F0502020204030204" pitchFamily="34" charset="0"/>
-              </a:rPr>
-              <a:t>When you embed an mp4 (video) here, keep it short (no longer than 30 seconds). Instructions on doing this can be found </a:t>
-            </a:r>
-            <a:r>
-              <a:rPr lang="en-GB" sz="1000" b="0" i="1" dirty="0">
-                <a:latin typeface="+mn-lt"/>
-                <a:ea typeface="Calibri" panose="020F0502020204030204" pitchFamily="34" charset="0"/>
-                <a:hlinkClick r:id="rId3"/>
-              </a:rPr>
-              <a:t>here</a:t>
-            </a:r>
-            <a:r>
-              <a:rPr lang="en-GB" sz="1000" b="0" i="1" dirty="0">
-                <a:latin typeface="+mn-lt"/>
-                <a:ea typeface="Calibri" panose="020F0502020204030204" pitchFamily="34" charset="0"/>
-              </a:rPr>
-              <a:t>. Add one sentence per video/image describing what the video/image is about. </a:t>
-            </a:r>
-          </a:p>
-        </p:txBody>
-      </p:sp>
-      <p:sp>
-        <p:nvSpPr>
-          <p:cNvPr id="132" name="Google Shape;132;p17"/>
-          <p:cNvSpPr txBox="1">
-            <a:spLocks noGrp="1"/>
-          </p:cNvSpPr>
-          <p:nvPr>
-            <p:ph type="title" idx="4"/>
-          </p:nvPr>
-        </p:nvSpPr>
-        <p:spPr>
-          <a:prstGeom prst="rect">
-            <a:avLst/>
-          </a:prstGeom>
-        </p:spPr>
-        <p:txBody>
-          <a:bodyPr spcFirstLastPara="1" wrap="square" lIns="91425" tIns="91425" rIns="91425" bIns="91425" anchor="ctr" anchorCtr="0">
-            <a:noAutofit/>
-          </a:bodyPr>
-          <a:lstStyle/>
-          <a:p>
-            <a:pPr marL="0" lvl="0" indent="0" algn="ctr" rtl="0">
-              <a:spcBef>
-                <a:spcPts val="0"/>
-              </a:spcBef>
-              <a:spcAft>
-                <a:spcPts val="0"/>
-              </a:spcAft>
-              <a:buNone/>
-            </a:pPr>
-            <a:r>
-              <a:rPr lang="en">
-                <a:latin typeface="Roboto" panose="02000000000000000000" pitchFamily="2" charset="0"/>
-                <a:ea typeface="Roboto" panose="02000000000000000000" pitchFamily="2" charset="0"/>
-              </a:rPr>
-              <a:t>A</a:t>
-            </a:r>
-          </a:p>
-        </p:txBody>
-      </p:sp>
-    </p:spTree>
-    <p:extLst>
-      <p:ext uri="{BB962C8B-B14F-4D97-AF65-F5344CB8AC3E}">
-        <p14:creationId xmlns:p14="http://schemas.microsoft.com/office/powerpoint/2010/main" val="1370208105"/>
-      </p:ext>
-    </p:extLst>
-  </p:cSld>
-  <p:clrMapOvr>
-    <a:masterClrMapping/>
-  </p:clrMapOvr>
-</p:sld>
-</file>
-
-<file path=ppt/slides/slide9.xml><?xml version="1.0" encoding="utf-8"?>
-<p:sld xmlns:a="http://schemas.openxmlformats.org/drawingml/2006/main" xmlns:r="http://schemas.openxmlformats.org/officeDocument/2006/relationships" xmlns:p="http://schemas.openxmlformats.org/presentationml/2006/main">
-  <p:cSld>
-    <p:spTree>
-      <p:nvGrpSpPr>
-        <p:cNvPr id="1" name="Shape 129"/>
-        <p:cNvGrpSpPr/>
-        <p:nvPr/>
-      </p:nvGrpSpPr>
-      <p:grpSpPr>
-        <a:xfrm>
-          <a:off x="0" y="0"/>
-          <a:ext cx="0" cy="0"/>
-          <a:chOff x="0" y="0"/>
-          <a:chExt cx="0" cy="0"/>
-        </a:xfrm>
-      </p:grpSpPr>
-      <p:sp>
-        <p:nvSpPr>
-          <p:cNvPr id="130" name="Google Shape;130;p17"/>
-          <p:cNvSpPr txBox="1">
-            <a:spLocks noGrp="1"/>
-          </p:cNvSpPr>
-          <p:nvPr>
-            <p:ph type="title"/>
-          </p:nvPr>
-        </p:nvSpPr>
-        <p:spPr>
-          <a:xfrm>
-            <a:off x="667504" y="0"/>
-            <a:ext cx="7920000" cy="572700"/>
-          </a:xfrm>
-          <a:prstGeom prst="rect">
-            <a:avLst/>
-          </a:prstGeom>
-        </p:spPr>
-        <p:txBody>
-          <a:bodyPr spcFirstLastPara="1" wrap="square" lIns="91425" tIns="91425" rIns="91425" bIns="91425" anchor="ctr" anchorCtr="0">
-            <a:noAutofit/>
-          </a:bodyPr>
-          <a:lstStyle/>
-          <a:p>
-            <a:pPr marL="0" lvl="0" indent="0" rtl="0">
-              <a:spcBef>
-                <a:spcPts val="0"/>
-              </a:spcBef>
-              <a:spcAft>
-                <a:spcPts val="0"/>
-              </a:spcAft>
-              <a:buNone/>
-            </a:pPr>
-            <a:r>
-              <a:rPr lang="en-GB" b="1">
-                <a:latin typeface="Roboto"/>
-                <a:ea typeface="Roboto"/>
-              </a:rPr>
-              <a:t>(A6) Relevant Portfolio, Skills &amp; Knowledge</a:t>
-            </a:r>
-          </a:p>
-        </p:txBody>
-      </p:sp>
-      <p:sp>
-        <p:nvSpPr>
-          <p:cNvPr id="133" name="Google Shape;133;p17"/>
-          <p:cNvSpPr txBox="1">
-            <a:spLocks noGrp="1"/>
-          </p:cNvSpPr>
-          <p:nvPr>
-            <p:ph type="subTitle" idx="1"/>
-          </p:nvPr>
-        </p:nvSpPr>
-        <p:spPr>
-          <a:xfrm>
-            <a:off x="182875" y="667476"/>
-            <a:ext cx="8778300" cy="4320000"/>
-          </a:xfrm>
-          <a:prstGeom prst="rect">
-            <a:avLst/>
-          </a:prstGeom>
-        </p:spPr>
-        <p:txBody>
-          <a:bodyPr spcFirstLastPara="1" wrap="square" lIns="91425" tIns="91425" rIns="91425" bIns="91425" anchor="t" anchorCtr="0">
-            <a:noAutofit/>
-          </a:bodyPr>
-          <a:lstStyle/>
-          <a:p>
-            <a:pPr marL="0" indent="0"/>
-            <a:r>
-              <a:rPr lang="en-US" b="0" dirty="0">
-                <a:latin typeface="+mn-lt"/>
-              </a:rPr>
-              <a:t>Please use this </a:t>
-            </a:r>
-            <a:r>
-              <a:rPr lang="en-GB" b="0" dirty="0">
-                <a:latin typeface="+mn-lt"/>
-              </a:rPr>
-              <a:t>space</a:t>
-            </a:r>
-            <a:r>
-              <a:rPr lang="en-US" b="0" dirty="0">
-                <a:latin typeface="+mn-lt"/>
-              </a:rPr>
-              <a:t> to add examples of your best work from your portfolio, study or work history that are relevant to game development or the discipline you are applying for.</a:t>
-            </a:r>
-          </a:p>
-          <a:p>
-            <a:pPr marL="0" indent="0"/>
-            <a:endParaRPr lang="en-US" b="0" dirty="0">
-              <a:latin typeface="+mn-lt"/>
-            </a:endParaRPr>
-          </a:p>
-          <a:p>
-            <a:pPr marL="0" indent="0"/>
-            <a:r>
-              <a:rPr lang="en-US" b="0" dirty="0">
-                <a:latin typeface="+mn-lt"/>
-              </a:rPr>
-              <a:t>You may also include:</a:t>
-            </a:r>
-          </a:p>
-          <a:p>
-            <a:pPr marL="285750" indent="-285750">
-              <a:buFontTx/>
-              <a:buChar char="-"/>
-            </a:pPr>
-            <a:r>
-              <a:rPr lang="en-US" b="0" dirty="0">
-                <a:latin typeface="+mn-lt"/>
-              </a:rPr>
-              <a:t>A list of skills &amp; knowledge relevant to game development or becoming a successful student.</a:t>
-            </a:r>
-          </a:p>
-          <a:p>
-            <a:pPr marL="285750" indent="-285750">
-              <a:buFontTx/>
-              <a:buChar char="-"/>
-            </a:pPr>
-            <a:r>
-              <a:rPr lang="en-US" b="0" dirty="0">
-                <a:latin typeface="+mn-lt"/>
-              </a:rPr>
-              <a:t>Activities you currently do to prepare yourself for our study &amp; future in games development.</a:t>
-            </a:r>
-          </a:p>
-          <a:p>
-            <a:pPr marL="285750" indent="-285750">
-              <a:buFontTx/>
-              <a:buChar char="-"/>
-            </a:pPr>
-            <a:r>
-              <a:rPr lang="en-US" b="0" dirty="0">
-                <a:latin typeface="+mn-lt"/>
-              </a:rPr>
-              <a:t>Links to examples of your work or portfolio website (but most important information should be in this presentation).</a:t>
-            </a:r>
-          </a:p>
-          <a:p>
-            <a:pPr marL="0" indent="0"/>
-            <a:endParaRPr lang="en-US" b="0" dirty="0">
-              <a:latin typeface="+mn-lt"/>
-            </a:endParaRPr>
-          </a:p>
-          <a:p>
-            <a:pPr marL="0" indent="0"/>
-            <a:r>
-              <a:rPr lang="en-US" b="0" dirty="0">
-                <a:latin typeface="+mn-lt"/>
-              </a:rPr>
-              <a:t>Insert up to 5 slides here. Images are allowed with a maximum 150-200 words per slide.</a:t>
-            </a:r>
-          </a:p>
-        </p:txBody>
-      </p:sp>
-      <p:sp>
-        <p:nvSpPr>
-          <p:cNvPr id="132" name="Google Shape;132;p17"/>
-          <p:cNvSpPr txBox="1">
-            <a:spLocks noGrp="1"/>
-          </p:cNvSpPr>
-          <p:nvPr>
-            <p:ph type="title" idx="4"/>
-          </p:nvPr>
-        </p:nvSpPr>
-        <p:spPr>
-          <a:prstGeom prst="rect">
-            <a:avLst/>
-          </a:prstGeom>
-        </p:spPr>
-        <p:txBody>
-          <a:bodyPr spcFirstLastPara="1" wrap="square" lIns="91425" tIns="91425" rIns="91425" bIns="91425" anchor="ctr" anchorCtr="0">
-            <a:noAutofit/>
-          </a:bodyPr>
-          <a:lstStyle/>
-          <a:p>
-            <a:pPr marL="0" lvl="0" indent="0" algn="ctr" rtl="0">
-              <a:spcBef>
-                <a:spcPts val="0"/>
-              </a:spcBef>
-              <a:spcAft>
-                <a:spcPts val="0"/>
-              </a:spcAft>
-              <a:buNone/>
-            </a:pPr>
-            <a:r>
-              <a:rPr lang="en">
-                <a:latin typeface="Roboto" panose="02000000000000000000" pitchFamily="2" charset="0"/>
-                <a:ea typeface="Roboto" panose="02000000000000000000" pitchFamily="2" charset="0"/>
-              </a:rPr>
-              <a:t>A</a:t>
-            </a:r>
-            <a:endParaRPr>
-              <a:latin typeface="Roboto" panose="02000000000000000000" pitchFamily="2" charset="0"/>
-              <a:ea typeface="Roboto" panose="02000000000000000000" pitchFamily="2" charset="0"/>
-            </a:endParaRPr>
-          </a:p>
-        </p:txBody>
-      </p:sp>
-    </p:spTree>
-    <p:extLst>
-      <p:ext uri="{BB962C8B-B14F-4D97-AF65-F5344CB8AC3E}">
-        <p14:creationId xmlns:p14="http://schemas.microsoft.com/office/powerpoint/2010/main" val="3783570192"/>
       </p:ext>
     </p:extLst>
   </p:cSld>
@@ -20000,6 +20460,15 @@
 </file>
 
 <file path=customXml/item1.xml><?xml version="1.0" encoding="utf-8"?>
+<?mso-contentType ?>
+<FormTemplates xmlns="http://schemas.microsoft.com/sharepoint/v3/contenttype/forms">
+  <Display>DocumentLibraryForm</Display>
+  <Edit>DocumentLibraryForm</Edit>
+  <New>DocumentLibraryForm</New>
+</FormTemplates>
+</file>
+
+<file path=customXml/item2.xml><?xml version="1.0" encoding="utf-8"?>
 <ct:contentTypeSchema xmlns:ct="http://schemas.microsoft.com/office/2006/metadata/contentType" xmlns:ma="http://schemas.microsoft.com/office/2006/metadata/properties/metaAttributes" ct:_="" ma:_="" ma:contentTypeName="Document" ma:contentTypeID="0x010100C5C2C24CB7B21D46923F89D239581ADD" ma:contentTypeVersion="1" ma:contentTypeDescription="Create a new document." ma:contentTypeScope="" ma:versionID="27a256afc71f5d8f5a4af49d1f4c649f">
   <xsd:schema xmlns:xsd="http://www.w3.org/2001/XMLSchema" xmlns:xs="http://www.w3.org/2001/XMLSchema" xmlns:p="http://schemas.microsoft.com/office/2006/metadata/properties" xmlns:ns2="7febf11f-f684-4171-8005-895c35ea71ed" targetNamespace="http://schemas.microsoft.com/office/2006/metadata/properties" ma:root="true" ma:fieldsID="82ccf7fa193385f3c7d3320c73327c54" ns2:_="">
     <xsd:import namespace="7febf11f-f684-4171-8005-895c35ea71ed"/>
@@ -20125,15 +20594,6 @@
 </ct:contentTypeSchema>
 </file>
 
-<file path=customXml/item2.xml><?xml version="1.0" encoding="utf-8"?>
-<?mso-contentType ?>
-<FormTemplates xmlns="http://schemas.microsoft.com/sharepoint/v3/contenttype/forms">
-  <Display>DocumentLibraryForm</Display>
-  <Edit>DocumentLibraryForm</Edit>
-  <New>DocumentLibraryForm</New>
-</FormTemplates>
-</file>
-
 <file path=customXml/item3.xml><?xml version="1.0" encoding="utf-8"?>
 <p:properties xmlns:p="http://schemas.microsoft.com/office/2006/metadata/properties" xmlns:xsi="http://www.w3.org/2001/XMLSchema-instance" xmlns:pc="http://schemas.microsoft.com/office/infopath/2007/PartnerControls">
   <documentManagement>
@@ -20143,6 +20603,14 @@
 </file>
 
 <file path=customXml/itemProps1.xml><?xml version="1.0" encoding="utf-8"?>
+<ds:datastoreItem xmlns:ds="http://schemas.openxmlformats.org/officeDocument/2006/customXml" ds:itemID="{DC1998DB-6EAC-425B-93C9-6D83CDC3314B}">
+  <ds:schemaRefs>
+    <ds:schemaRef ds:uri="http://schemas.microsoft.com/sharepoint/v3/contenttype/forms"/>
+  </ds:schemaRefs>
+</ds:datastoreItem>
+</file>
+
+<file path=customXml/itemProps2.xml><?xml version="1.0" encoding="utf-8"?>
 <ds:datastoreItem xmlns:ds="http://schemas.openxmlformats.org/officeDocument/2006/customXml" ds:itemID="{D20B3198-23DE-4849-8830-937CE29AC6C9}">
   <ds:schemaRefs>
     <ds:schemaRef ds:uri="http://schemas.microsoft.com/office/2006/metadata/contentType"/>
@@ -20156,14 +20624,6 @@
     <ds:schemaRef ds:uri="http://purl.org/dc/elements/1.1/"/>
     <ds:schemaRef ds:uri="http://purl.org/dc/terms/"/>
     <ds:schemaRef ds:uri="http://schemas.microsoft.com/internal/obd"/>
-  </ds:schemaRefs>
-</ds:datastoreItem>
-</file>
-
-<file path=customXml/itemProps2.xml><?xml version="1.0" encoding="utf-8"?>
-<ds:datastoreItem xmlns:ds="http://schemas.openxmlformats.org/officeDocument/2006/customXml" ds:itemID="{DC1998DB-6EAC-425B-93C9-6D83CDC3314B}">
-  <ds:schemaRefs>
-    <ds:schemaRef ds:uri="http://schemas.microsoft.com/sharepoint/v3/contenttype/forms"/>
   </ds:schemaRefs>
 </ds:datastoreItem>
 </file>
